--- a/Presentation.pptx
+++ b/Presentation.pptx
@@ -562,7 +562,7 @@
           <a:p>
             <a:fld id="{7D290233-0DD1-4A80-BB1E-9ADC3556DBB6}" type="datetimeFigureOut">
               <a:rPr lang="en-US" smtClean="0"/>
-              <a:t>4/25/2020</a:t>
+              <a:t>5/6/2020</a:t>
             </a:fld>
             <a:endParaRPr lang="en-US"/>
           </a:p>
@@ -1173,7 +1173,7 @@
           <a:p>
             <a:fld id="{7D290233-0DD1-4A80-BB1E-9ADC3556DBB6}" type="datetimeFigureOut">
               <a:rPr lang="en-US" smtClean="0"/>
-              <a:t>4/25/2020</a:t>
+              <a:t>5/6/2020</a:t>
             </a:fld>
             <a:endParaRPr lang="en-US"/>
           </a:p>
@@ -1745,7 +1745,7 @@
           <a:p>
             <a:fld id="{7D290233-0DD1-4A80-BB1E-9ADC3556DBB6}" type="datetimeFigureOut">
               <a:rPr lang="en-US" smtClean="0"/>
-              <a:t>4/25/2020</a:t>
+              <a:t>5/6/2020</a:t>
             </a:fld>
             <a:endParaRPr lang="en-US"/>
           </a:p>
@@ -2279,7 +2279,7 @@
           <a:p>
             <a:fld id="{7D290233-0DD1-4A80-BB1E-9ADC3556DBB6}" type="datetimeFigureOut">
               <a:rPr lang="en-US" smtClean="0"/>
-              <a:t>4/25/2020</a:t>
+              <a:t>5/6/2020</a:t>
             </a:fld>
             <a:endParaRPr lang="en-US"/>
           </a:p>
@@ -2681,7 +2681,7 @@
           <a:p>
             <a:fld id="{7D290233-0DD1-4A80-BB1E-9ADC3556DBB6}" type="datetimeFigureOut">
               <a:rPr lang="en-US" smtClean="0"/>
-              <a:t>4/25/2020</a:t>
+              <a:t>5/6/2020</a:t>
             </a:fld>
             <a:endParaRPr lang="en-US"/>
           </a:p>
@@ -3114,7 +3114,7 @@
           <a:p>
             <a:fld id="{7D290233-0DD1-4A80-BB1E-9ADC3556DBB6}" type="datetimeFigureOut">
               <a:rPr lang="en-US" smtClean="0"/>
-              <a:t>4/25/2020</a:t>
+              <a:t>5/6/2020</a:t>
             </a:fld>
             <a:endParaRPr lang="en-US"/>
           </a:p>
@@ -3516,7 +3516,7 @@
           <a:p>
             <a:fld id="{7D290233-0DD1-4A80-BB1E-9ADC3556DBB6}" type="datetimeFigureOut">
               <a:rPr lang="en-US" smtClean="0"/>
-              <a:t>4/25/2020</a:t>
+              <a:t>5/6/2020</a:t>
             </a:fld>
             <a:endParaRPr lang="en-US"/>
           </a:p>
@@ -3990,7 +3990,7 @@
           <a:p>
             <a:fld id="{7D290233-0DD1-4A80-BB1E-9ADC3556DBB6}" type="datetimeFigureOut">
               <a:rPr lang="en-US" smtClean="0"/>
-              <a:t>4/25/2020</a:t>
+              <a:t>5/6/2020</a:t>
             </a:fld>
             <a:endParaRPr lang="en-US"/>
           </a:p>
@@ -4440,7 +4440,7 @@
           <a:p>
             <a:fld id="{7D290233-0DD1-4A80-BB1E-9ADC3556DBB6}" type="datetimeFigureOut">
               <a:rPr lang="en-US" smtClean="0"/>
-              <a:t>4/25/2020</a:t>
+              <a:t>5/6/2020</a:t>
             </a:fld>
             <a:endParaRPr lang="en-US"/>
           </a:p>
@@ -4960,7 +4960,7 @@
           <a:p>
             <a:fld id="{7D290233-0DD1-4A80-BB1E-9ADC3556DBB6}" type="datetimeFigureOut">
               <a:rPr lang="en-US" smtClean="0"/>
-              <a:t>4/25/2020</a:t>
+              <a:t>5/6/2020</a:t>
             </a:fld>
             <a:endParaRPr lang="en-US"/>
           </a:p>
@@ -5680,7 +5680,7 @@
           <a:p>
             <a:fld id="{7D290233-0DD1-4A80-BB1E-9ADC3556DBB6}" type="datetimeFigureOut">
               <a:rPr lang="en-US" smtClean="0"/>
-              <a:t>4/25/2020</a:t>
+              <a:t>5/6/2020</a:t>
             </a:fld>
             <a:endParaRPr lang="en-US"/>
           </a:p>
@@ -6026,7 +6026,7 @@
           <a:p>
             <a:fld id="{7D290233-0DD1-4A80-BB1E-9ADC3556DBB6}" type="datetimeFigureOut">
               <a:rPr lang="en-US" smtClean="0"/>
-              <a:t>4/25/2020</a:t>
+              <a:t>5/6/2020</a:t>
             </a:fld>
             <a:endParaRPr lang="en-US"/>
           </a:p>
@@ -6295,7 +6295,7 @@
           <a:p>
             <a:fld id="{7D290233-0DD1-4A80-BB1E-9ADC3556DBB6}" type="datetimeFigureOut">
               <a:rPr lang="en-US" smtClean="0"/>
-              <a:t>4/25/2020</a:t>
+              <a:t>5/6/2020</a:t>
             </a:fld>
             <a:endParaRPr lang="en-US"/>
           </a:p>
@@ -6852,7 +6852,7 @@
           <a:p>
             <a:fld id="{7D290233-0DD1-4A80-BB1E-9ADC3556DBB6}" type="datetimeFigureOut">
               <a:rPr lang="en-US" smtClean="0"/>
-              <a:t>4/25/2020</a:t>
+              <a:t>5/6/2020</a:t>
             </a:fld>
             <a:endParaRPr lang="en-US"/>
           </a:p>
@@ -7062,7 +7062,7 @@
           <a:p>
             <a:fld id="{7D290233-0DD1-4A80-BB1E-9ADC3556DBB6}" type="datetimeFigureOut">
               <a:rPr lang="en-US" smtClean="0"/>
-              <a:t>4/25/2020</a:t>
+              <a:t>5/6/2020</a:t>
             </a:fld>
             <a:endParaRPr lang="en-US"/>
           </a:p>
@@ -7652,7 +7652,9 @@
         </p:nvSpPr>
         <p:spPr/>
         <p:txBody>
-          <a:bodyPr/>
+          <a:bodyPr>
+            <a:normAutofit fontScale="92500"/>
+          </a:bodyPr>
           <a:lstStyle/>
           <a:p>
             <a:r>
@@ -7664,51 +7666,43 @@
             <a:pPr lvl="1"/>
             <a:r>
               <a:rPr lang="en-US" dirty="0"/>
-              <a:t>Individual with regular meetings to merge the code</a:t>
+              <a:t>We met over discord and created a private chat to keep tabs on people.</a:t>
             </a:r>
           </a:p>
           <a:p>
             <a:pPr lvl="1"/>
             <a:r>
               <a:rPr lang="en-US" dirty="0"/>
-              <a:t>Individual with merging through </a:t>
+              <a:t>We used the school’s </a:t>
             </a:r>
             <a:r>
               <a:rPr lang="en-US" dirty="0" err="1"/>
-              <a:t>sourceforge.net</a:t>
+              <a:t>gitlab</a:t>
             </a:r>
             <a:r>
               <a:rPr lang="en-US" dirty="0"/>
-              <a:t> and very rarely face-to-face meetings</a:t>
+              <a:t> to push to so everyone in the group had access to it.</a:t>
             </a:r>
           </a:p>
           <a:p>
             <a:pPr lvl="1"/>
             <a:r>
               <a:rPr lang="en-US" dirty="0"/>
-              <a:t>Pair or team meetings to code then.</a:t>
+              <a:t>Mostly individual coding and met up if someone needed help.</a:t>
             </a:r>
           </a:p>
           <a:p>
             <a:pPr lvl="1"/>
             <a:r>
               <a:rPr lang="en-US" dirty="0"/>
-              <a:t>Merging done in small bits or all at once.</a:t>
+              <a:t>Most people did small or medium bits, very few large bits.</a:t>
             </a:r>
           </a:p>
           <a:p>
             <a:pPr lvl="1"/>
             <a:r>
               <a:rPr lang="en-US" dirty="0"/>
-              <a:t>Issues with sourceforge.net, </a:t>
-            </a:r>
-            <a:r>
-              <a:rPr lang="en-US" dirty="0" err="1"/>
-              <a:t>svn</a:t>
-            </a:r>
-            <a:r>
-              <a:rPr lang="en-US" dirty="0"/>
-              <a:t>, and/or finding meeting times.</a:t>
+              <a:t>Sometimes it wouldn’t let us push to git because someone else pushed.  Not everyone’s schedule lined up.</a:t>
             </a:r>
           </a:p>
         </p:txBody>
@@ -7796,7 +7790,7 @@
             <a:pPr lvl="1"/>
             <a:r>
               <a:rPr lang="en-US" dirty="0"/>
-              <a:t>Who would use it (teacher, airline pilot, etc…)</a:t>
+              <a:t>A game developer/player.  A game developer would be able to implement this into their game, where a players stuff would be stored in this database.</a:t>
             </a:r>
           </a:p>
         </p:txBody>

--- a/Presentation.pptx
+++ b/Presentation.pptx
@@ -562,7 +562,7 @@
           <a:p>
             <a:fld id="{7D290233-0DD1-4A80-BB1E-9ADC3556DBB6}" type="datetimeFigureOut">
               <a:rPr lang="en-US" smtClean="0"/>
-              <a:t>5/6/2020</a:t>
+              <a:t>5/7/2020</a:t>
             </a:fld>
             <a:endParaRPr lang="en-US"/>
           </a:p>
@@ -1173,7 +1173,7 @@
           <a:p>
             <a:fld id="{7D290233-0DD1-4A80-BB1E-9ADC3556DBB6}" type="datetimeFigureOut">
               <a:rPr lang="en-US" smtClean="0"/>
-              <a:t>5/6/2020</a:t>
+              <a:t>5/7/2020</a:t>
             </a:fld>
             <a:endParaRPr lang="en-US"/>
           </a:p>
@@ -1745,7 +1745,7 @@
           <a:p>
             <a:fld id="{7D290233-0DD1-4A80-BB1E-9ADC3556DBB6}" type="datetimeFigureOut">
               <a:rPr lang="en-US" smtClean="0"/>
-              <a:t>5/6/2020</a:t>
+              <a:t>5/7/2020</a:t>
             </a:fld>
             <a:endParaRPr lang="en-US"/>
           </a:p>
@@ -2279,7 +2279,7 @@
           <a:p>
             <a:fld id="{7D290233-0DD1-4A80-BB1E-9ADC3556DBB6}" type="datetimeFigureOut">
               <a:rPr lang="en-US" smtClean="0"/>
-              <a:t>5/6/2020</a:t>
+              <a:t>5/7/2020</a:t>
             </a:fld>
             <a:endParaRPr lang="en-US"/>
           </a:p>
@@ -2681,7 +2681,7 @@
           <a:p>
             <a:fld id="{7D290233-0DD1-4A80-BB1E-9ADC3556DBB6}" type="datetimeFigureOut">
               <a:rPr lang="en-US" smtClean="0"/>
-              <a:t>5/6/2020</a:t>
+              <a:t>5/7/2020</a:t>
             </a:fld>
             <a:endParaRPr lang="en-US"/>
           </a:p>
@@ -3114,7 +3114,7 @@
           <a:p>
             <a:fld id="{7D290233-0DD1-4A80-BB1E-9ADC3556DBB6}" type="datetimeFigureOut">
               <a:rPr lang="en-US" smtClean="0"/>
-              <a:t>5/6/2020</a:t>
+              <a:t>5/7/2020</a:t>
             </a:fld>
             <a:endParaRPr lang="en-US"/>
           </a:p>
@@ -3516,7 +3516,7 @@
           <a:p>
             <a:fld id="{7D290233-0DD1-4A80-BB1E-9ADC3556DBB6}" type="datetimeFigureOut">
               <a:rPr lang="en-US" smtClean="0"/>
-              <a:t>5/6/2020</a:t>
+              <a:t>5/7/2020</a:t>
             </a:fld>
             <a:endParaRPr lang="en-US"/>
           </a:p>
@@ -3990,7 +3990,7 @@
           <a:p>
             <a:fld id="{7D290233-0DD1-4A80-BB1E-9ADC3556DBB6}" type="datetimeFigureOut">
               <a:rPr lang="en-US" smtClean="0"/>
-              <a:t>5/6/2020</a:t>
+              <a:t>5/7/2020</a:t>
             </a:fld>
             <a:endParaRPr lang="en-US"/>
           </a:p>
@@ -4440,7 +4440,7 @@
           <a:p>
             <a:fld id="{7D290233-0DD1-4A80-BB1E-9ADC3556DBB6}" type="datetimeFigureOut">
               <a:rPr lang="en-US" smtClean="0"/>
-              <a:t>5/6/2020</a:t>
+              <a:t>5/7/2020</a:t>
             </a:fld>
             <a:endParaRPr lang="en-US"/>
           </a:p>
@@ -4960,7 +4960,7 @@
           <a:p>
             <a:fld id="{7D290233-0DD1-4A80-BB1E-9ADC3556DBB6}" type="datetimeFigureOut">
               <a:rPr lang="en-US" smtClean="0"/>
-              <a:t>5/6/2020</a:t>
+              <a:t>5/7/2020</a:t>
             </a:fld>
             <a:endParaRPr lang="en-US"/>
           </a:p>
@@ -5680,7 +5680,7 @@
           <a:p>
             <a:fld id="{7D290233-0DD1-4A80-BB1E-9ADC3556DBB6}" type="datetimeFigureOut">
               <a:rPr lang="en-US" smtClean="0"/>
-              <a:t>5/6/2020</a:t>
+              <a:t>5/7/2020</a:t>
             </a:fld>
             <a:endParaRPr lang="en-US"/>
           </a:p>
@@ -6026,7 +6026,7 @@
           <a:p>
             <a:fld id="{7D290233-0DD1-4A80-BB1E-9ADC3556DBB6}" type="datetimeFigureOut">
               <a:rPr lang="en-US" smtClean="0"/>
-              <a:t>5/6/2020</a:t>
+              <a:t>5/7/2020</a:t>
             </a:fld>
             <a:endParaRPr lang="en-US"/>
           </a:p>
@@ -6295,7 +6295,7 @@
           <a:p>
             <a:fld id="{7D290233-0DD1-4A80-BB1E-9ADC3556DBB6}" type="datetimeFigureOut">
               <a:rPr lang="en-US" smtClean="0"/>
-              <a:t>5/6/2020</a:t>
+              <a:t>5/7/2020</a:t>
             </a:fld>
             <a:endParaRPr lang="en-US"/>
           </a:p>
@@ -6852,7 +6852,7 @@
           <a:p>
             <a:fld id="{7D290233-0DD1-4A80-BB1E-9ADC3556DBB6}" type="datetimeFigureOut">
               <a:rPr lang="en-US" smtClean="0"/>
-              <a:t>5/6/2020</a:t>
+              <a:t>5/7/2020</a:t>
             </a:fld>
             <a:endParaRPr lang="en-US"/>
           </a:p>
@@ -7062,7 +7062,7 @@
           <a:p>
             <a:fld id="{7D290233-0DD1-4A80-BB1E-9ADC3556DBB6}" type="datetimeFigureOut">
               <a:rPr lang="en-US" smtClean="0"/>
-              <a:t>5/6/2020</a:t>
+              <a:t>5/7/2020</a:t>
             </a:fld>
             <a:endParaRPr lang="en-US"/>
           </a:p>
@@ -7543,8 +7543,12 @@
           <a:lstStyle/>
           <a:p>
             <a:r>
+              <a:rPr lang="en-US" dirty="0" err="1"/>
+              <a:t>Yeet</a:t>
+            </a:r>
+            <a:r>
               <a:rPr lang="en-US" dirty="0"/>
-              <a:t>Name of Database Goes Here</a:t>
+              <a:t> Machine 3000</a:t>
             </a:r>
           </a:p>
         </p:txBody>
@@ -7771,30 +7775,116 @@
         </p:nvSpPr>
         <p:spPr/>
         <p:txBody>
-          <a:bodyPr/>
+          <a:bodyPr>
+            <a:normAutofit/>
+          </a:bodyPr>
           <a:lstStyle/>
           <a:p>
             <a:r>
               <a:rPr lang="en-US" dirty="0"/>
-              <a:t>What is the purpose of the database</a:t>
+              <a:t>Purpose of database</a:t>
             </a:r>
           </a:p>
           <a:p>
             <a:pPr lvl="1"/>
             <a:r>
               <a:rPr lang="en-US" dirty="0"/>
-              <a:t>What does it do</a:t>
+              <a:t>Store information about various aspects of a game. Including:</a:t>
+            </a:r>
+          </a:p>
+          <a:p>
+            <a:pPr lvl="3"/>
+            <a:r>
+              <a:rPr lang="en-US" dirty="0"/>
+              <a:t>Players</a:t>
+            </a:r>
+          </a:p>
+          <a:p>
+            <a:pPr lvl="3"/>
+            <a:r>
+              <a:rPr lang="en-US" dirty="0"/>
+              <a:t>Creatures</a:t>
+            </a:r>
+          </a:p>
+          <a:p>
+            <a:pPr lvl="3"/>
+            <a:r>
+              <a:rPr lang="en-US" dirty="0"/>
+              <a:t>Items</a:t>
+            </a:r>
+          </a:p>
+          <a:p>
+            <a:pPr lvl="3"/>
+            <a:r>
+              <a:rPr lang="en-US" dirty="0"/>
+              <a:t>Locations</a:t>
+            </a:r>
+          </a:p>
+          <a:p>
+            <a:r>
+              <a:rPr lang="en-US" dirty="0"/>
+              <a:t>Applications</a:t>
             </a:r>
           </a:p>
           <a:p>
             <a:pPr lvl="1"/>
             <a:r>
               <a:rPr lang="en-US" dirty="0"/>
-              <a:t>A game developer/player.  A game developer would be able to implement this into their game, where a players stuff would be stored in this database.</a:t>
-            </a:r>
-          </a:p>
-        </p:txBody>
-      </p:sp>
+              <a:t>Could be used in an MMO or RPG?</a:t>
+            </a:r>
+          </a:p>
+          <a:p>
+            <a:pPr marL="579438" lvl="2" indent="0">
+              <a:buNone/>
+            </a:pPr>
+            <a:endParaRPr lang="en-US" dirty="0"/>
+          </a:p>
+          <a:p>
+            <a:pPr lvl="3"/>
+            <a:endParaRPr lang="en-US" dirty="0"/>
+          </a:p>
+          <a:p>
+            <a:pPr lvl="1"/>
+            <a:endParaRPr lang="en-US" dirty="0"/>
+          </a:p>
+        </p:txBody>
+      </p:sp>
+      <p:pic>
+        <p:nvPicPr>
+          <p:cNvPr id="5" name="Picture 4" descr="A close up of a logo&#10;&#10;Description automatically generated">
+            <a:extLst>
+              <a:ext uri="{FF2B5EF4-FFF2-40B4-BE49-F238E27FC236}">
+                <a16:creationId xmlns:a16="http://schemas.microsoft.com/office/drawing/2014/main" id="{5E8FDC49-C5F6-4B08-AF4B-A634350F0F29}"/>
+              </a:ext>
+            </a:extLst>
+          </p:cNvPr>
+          <p:cNvPicPr>
+            <a:picLocks noChangeAspect="1"/>
+          </p:cNvPicPr>
+          <p:nvPr/>
+        </p:nvPicPr>
+        <p:blipFill>
+          <a:blip r:embed="rId2">
+            <a:extLst>
+              <a:ext uri="{28A0092B-C50C-407E-A947-70E740481C1C}">
+                <a14:useLocalDpi xmlns:a14="http://schemas.microsoft.com/office/drawing/2010/main" val="0"/>
+              </a:ext>
+            </a:extLst>
+          </a:blip>
+          <a:stretch>
+            <a:fillRect/>
+          </a:stretch>
+        </p:blipFill>
+        <p:spPr>
+          <a:xfrm>
+            <a:off x="7862887" y="533083"/>
+            <a:ext cx="762000" cy="762000"/>
+          </a:xfrm>
+          <a:prstGeom prst="rect">
+            <a:avLst/>
+          </a:prstGeom>
+        </p:spPr>
+      </p:pic>
     </p:spTree>
     <p:extLst>
       <p:ext uri="{BB962C8B-B14F-4D97-AF65-F5344CB8AC3E}">

--- a/Presentation.pptx
+++ b/Presentation.pptx
@@ -9,6 +9,12 @@
     <p:sldId id="260" r:id="rId3"/>
     <p:sldId id="257" r:id="rId4"/>
     <p:sldId id="258" r:id="rId5"/>
+    <p:sldId id="263" r:id="rId6"/>
+    <p:sldId id="262" r:id="rId7"/>
+    <p:sldId id="264" r:id="rId8"/>
+    <p:sldId id="265" r:id="rId9"/>
+    <p:sldId id="266" r:id="rId10"/>
+    <p:sldId id="261" r:id="rId11"/>
   </p:sldIdLst>
   <p:sldSz cx="9144000" cy="6858000" type="screen4x3"/>
   <p:notesSz cx="6858000" cy="9144000"/>
@@ -562,7 +568,7 @@
           <a:p>
             <a:fld id="{7D290233-0DD1-4A80-BB1E-9ADC3556DBB6}" type="datetimeFigureOut">
               <a:rPr lang="en-US" smtClean="0"/>
-              <a:t>5/7/2020</a:t>
+              <a:t>5/8/2020</a:t>
             </a:fld>
             <a:endParaRPr lang="en-US"/>
           </a:p>
@@ -1173,7 +1179,7 @@
           <a:p>
             <a:fld id="{7D290233-0DD1-4A80-BB1E-9ADC3556DBB6}" type="datetimeFigureOut">
               <a:rPr lang="en-US" smtClean="0"/>
-              <a:t>5/7/2020</a:t>
+              <a:t>5/8/2020</a:t>
             </a:fld>
             <a:endParaRPr lang="en-US"/>
           </a:p>
@@ -1745,7 +1751,7 @@
           <a:p>
             <a:fld id="{7D290233-0DD1-4A80-BB1E-9ADC3556DBB6}" type="datetimeFigureOut">
               <a:rPr lang="en-US" smtClean="0"/>
-              <a:t>5/7/2020</a:t>
+              <a:t>5/8/2020</a:t>
             </a:fld>
             <a:endParaRPr lang="en-US"/>
           </a:p>
@@ -2279,7 +2285,7 @@
           <a:p>
             <a:fld id="{7D290233-0DD1-4A80-BB1E-9ADC3556DBB6}" type="datetimeFigureOut">
               <a:rPr lang="en-US" smtClean="0"/>
-              <a:t>5/7/2020</a:t>
+              <a:t>5/8/2020</a:t>
             </a:fld>
             <a:endParaRPr lang="en-US"/>
           </a:p>
@@ -2681,7 +2687,7 @@
           <a:p>
             <a:fld id="{7D290233-0DD1-4A80-BB1E-9ADC3556DBB6}" type="datetimeFigureOut">
               <a:rPr lang="en-US" smtClean="0"/>
-              <a:t>5/7/2020</a:t>
+              <a:t>5/8/2020</a:t>
             </a:fld>
             <a:endParaRPr lang="en-US"/>
           </a:p>
@@ -3114,7 +3120,7 @@
           <a:p>
             <a:fld id="{7D290233-0DD1-4A80-BB1E-9ADC3556DBB6}" type="datetimeFigureOut">
               <a:rPr lang="en-US" smtClean="0"/>
-              <a:t>5/7/2020</a:t>
+              <a:t>5/8/2020</a:t>
             </a:fld>
             <a:endParaRPr lang="en-US"/>
           </a:p>
@@ -3516,7 +3522,7 @@
           <a:p>
             <a:fld id="{7D290233-0DD1-4A80-BB1E-9ADC3556DBB6}" type="datetimeFigureOut">
               <a:rPr lang="en-US" smtClean="0"/>
-              <a:t>5/7/2020</a:t>
+              <a:t>5/8/2020</a:t>
             </a:fld>
             <a:endParaRPr lang="en-US"/>
           </a:p>
@@ -3990,7 +3996,7 @@
           <a:p>
             <a:fld id="{7D290233-0DD1-4A80-BB1E-9ADC3556DBB6}" type="datetimeFigureOut">
               <a:rPr lang="en-US" smtClean="0"/>
-              <a:t>5/7/2020</a:t>
+              <a:t>5/8/2020</a:t>
             </a:fld>
             <a:endParaRPr lang="en-US"/>
           </a:p>
@@ -4440,7 +4446,7 @@
           <a:p>
             <a:fld id="{7D290233-0DD1-4A80-BB1E-9ADC3556DBB6}" type="datetimeFigureOut">
               <a:rPr lang="en-US" smtClean="0"/>
-              <a:t>5/7/2020</a:t>
+              <a:t>5/8/2020</a:t>
             </a:fld>
             <a:endParaRPr lang="en-US"/>
           </a:p>
@@ -4960,7 +4966,7 @@
           <a:p>
             <a:fld id="{7D290233-0DD1-4A80-BB1E-9ADC3556DBB6}" type="datetimeFigureOut">
               <a:rPr lang="en-US" smtClean="0"/>
-              <a:t>5/7/2020</a:t>
+              <a:t>5/8/2020</a:t>
             </a:fld>
             <a:endParaRPr lang="en-US"/>
           </a:p>
@@ -5680,7 +5686,7 @@
           <a:p>
             <a:fld id="{7D290233-0DD1-4A80-BB1E-9ADC3556DBB6}" type="datetimeFigureOut">
               <a:rPr lang="en-US" smtClean="0"/>
-              <a:t>5/7/2020</a:t>
+              <a:t>5/8/2020</a:t>
             </a:fld>
             <a:endParaRPr lang="en-US"/>
           </a:p>
@@ -6026,7 +6032,7 @@
           <a:p>
             <a:fld id="{7D290233-0DD1-4A80-BB1E-9ADC3556DBB6}" type="datetimeFigureOut">
               <a:rPr lang="en-US" smtClean="0"/>
-              <a:t>5/7/2020</a:t>
+              <a:t>5/8/2020</a:t>
             </a:fld>
             <a:endParaRPr lang="en-US"/>
           </a:p>
@@ -6295,7 +6301,7 @@
           <a:p>
             <a:fld id="{7D290233-0DD1-4A80-BB1E-9ADC3556DBB6}" type="datetimeFigureOut">
               <a:rPr lang="en-US" smtClean="0"/>
-              <a:t>5/7/2020</a:t>
+              <a:t>5/8/2020</a:t>
             </a:fld>
             <a:endParaRPr lang="en-US"/>
           </a:p>
@@ -6852,7 +6858,7 @@
           <a:p>
             <a:fld id="{7D290233-0DD1-4A80-BB1E-9ADC3556DBB6}" type="datetimeFigureOut">
               <a:rPr lang="en-US" smtClean="0"/>
-              <a:t>5/7/2020</a:t>
+              <a:t>5/8/2020</a:t>
             </a:fld>
             <a:endParaRPr lang="en-US"/>
           </a:p>
@@ -7062,7 +7068,7 @@
           <a:p>
             <a:fld id="{7D290233-0DD1-4A80-BB1E-9ADC3556DBB6}" type="datetimeFigureOut">
               <a:rPr lang="en-US" smtClean="0"/>
-              <a:t>5/7/2020</a:t>
+              <a:t>5/8/2020</a:t>
             </a:fld>
             <a:endParaRPr lang="en-US"/>
           </a:p>
@@ -7605,6 +7611,117 @@
 </p:sld>
 </file>
 
+<file path=ppt/slides/slide10.xml><?xml version="1.0" encoding="utf-8"?>
+<p:sld xmlns:a="http://schemas.openxmlformats.org/drawingml/2006/main" xmlns:r="http://schemas.openxmlformats.org/officeDocument/2006/relationships" xmlns:p="http://schemas.openxmlformats.org/presentationml/2006/main">
+  <p:cSld>
+    <p:spTree>
+      <p:nvGrpSpPr>
+        <p:cNvPr id="1" name=""/>
+        <p:cNvGrpSpPr/>
+        <p:nvPr/>
+      </p:nvGrpSpPr>
+      <p:grpSpPr>
+        <a:xfrm>
+          <a:off x="0" y="0"/>
+          <a:ext cx="0" cy="0"/>
+          <a:chOff x="0" y="0"/>
+          <a:chExt cx="0" cy="0"/>
+        </a:xfrm>
+      </p:grpSpPr>
+      <p:sp>
+        <p:nvSpPr>
+          <p:cNvPr id="2" name="Title 1"/>
+          <p:cNvSpPr>
+            <a:spLocks noGrp="1"/>
+          </p:cNvSpPr>
+          <p:nvPr>
+            <p:ph type="title"/>
+          </p:nvPr>
+        </p:nvSpPr>
+        <p:spPr/>
+        <p:txBody>
+          <a:bodyPr>
+            <a:normAutofit/>
+          </a:bodyPr>
+          <a:lstStyle/>
+          <a:p>
+            <a:r>
+              <a:rPr lang="en-US" dirty="0"/>
+              <a:t>Application Demo</a:t>
+            </a:r>
+            <a:br>
+              <a:rPr lang="en-US" dirty="0"/>
+            </a:br>
+            <a:r>
+              <a:rPr lang="en-US" sz="2000" dirty="0"/>
+              <a:t>There should </a:t>
+            </a:r>
+            <a:r>
+              <a:rPr lang="en-US" sz="2000"/>
+              <a:t>be a Part </a:t>
+            </a:r>
+            <a:r>
+              <a:rPr lang="en-US" sz="2000" dirty="0"/>
+              <a:t>for each person in the group</a:t>
+            </a:r>
+          </a:p>
+        </p:txBody>
+      </p:sp>
+      <p:sp>
+        <p:nvSpPr>
+          <p:cNvPr id="7" name="Content Placeholder 6"/>
+          <p:cNvSpPr>
+            <a:spLocks noGrp="1"/>
+          </p:cNvSpPr>
+          <p:nvPr>
+            <p:ph idx="1"/>
+          </p:nvPr>
+        </p:nvSpPr>
+        <p:spPr/>
+        <p:txBody>
+          <a:bodyPr>
+            <a:normAutofit/>
+          </a:bodyPr>
+          <a:lstStyle/>
+          <a:p>
+            <a:r>
+              <a:rPr lang="en-US" dirty="0"/>
+              <a:t>What aspects of the application this part provides functionality for.</a:t>
+            </a:r>
+          </a:p>
+          <a:p>
+            <a:r>
+              <a:rPr lang="en-US" dirty="0"/>
+              <a:t>For a Table Illustrate: Insert, Update, and Delete functions.</a:t>
+            </a:r>
+          </a:p>
+          <a:p>
+            <a:r>
+              <a:rPr lang="en-US" dirty="0"/>
+              <a:t>For Selection Tool: Illustrate using it on at least two different tables.</a:t>
+            </a:r>
+          </a:p>
+          <a:p>
+            <a:r>
+              <a:rPr lang="en-US" dirty="0"/>
+              <a:t>Lastly, show key blocks of the code (formatting, comments, and names).</a:t>
+            </a:r>
+          </a:p>
+        </p:txBody>
+      </p:sp>
+    </p:spTree>
+    <p:extLst>
+      <p:ext uri="{BB962C8B-B14F-4D97-AF65-F5344CB8AC3E}">
+        <p14:creationId xmlns:p14="http://schemas.microsoft.com/office/powerpoint/2010/main" val="750565662"/>
+      </p:ext>
+    </p:extLst>
+  </p:cSld>
+  <p:clrMapOvr>
+    <a:masterClrMapping/>
+  </p:clrMapOvr>
+</p:sld>
+</file>
+
 <file path=ppt/slides/slide2.xml><?xml version="1.0" encoding="utf-8"?>
 <p:sld xmlns:a="http://schemas.openxmlformats.org/drawingml/2006/main" xmlns:r="http://schemas.openxmlformats.org/officeDocument/2006/relationships" xmlns:p="http://schemas.openxmlformats.org/presentationml/2006/main">
   <p:cSld>
@@ -7933,24 +8050,10 @@
           <a:lstStyle/>
           <a:p>
             <a:r>
-              <a:rPr lang="en-US" dirty="0"/>
-              <a:t>Application Demo</a:t>
-            </a:r>
-            <a:br>
-              <a:rPr lang="en-US" dirty="0"/>
-            </a:br>
-            <a:r>
-              <a:rPr lang="en-US" sz="2000" dirty="0"/>
-              <a:t>There should </a:t>
-            </a:r>
-            <a:r>
-              <a:rPr lang="en-US" sz="2000"/>
-              <a:t>be a Part </a:t>
-            </a:r>
-            <a:r>
-              <a:rPr lang="en-US" sz="2000" dirty="0"/>
-              <a:t>for each person in the group</a:t>
-            </a:r>
+              <a:rPr lang="en-US" dirty="0" err="1"/>
+              <a:t>CharactersLayout</a:t>
+            </a:r>
+            <a:endParaRPr lang="en-US" sz="2000" dirty="0"/>
           </a:p>
         </p:txBody>
       </p:sp>
@@ -7972,26 +8075,18 @@
           <a:lstStyle/>
           <a:p>
             <a:r>
+              <a:rPr lang="en-US" dirty="0" err="1"/>
+              <a:t>CharactersLayout</a:t>
+            </a:r>
+            <a:r>
               <a:rPr lang="en-US" dirty="0"/>
-              <a:t>What aspects of the application this part provides functionality for.</a:t>
+              <a:t> displays all characters in the database and the stats for each player the user selects.  </a:t>
             </a:r>
           </a:p>
           <a:p>
             <a:r>
               <a:rPr lang="en-US" dirty="0"/>
-              <a:t>For a Table Illustrate: Insert, Update, and Delete functions.</a:t>
-            </a:r>
-          </a:p>
-          <a:p>
-            <a:r>
-              <a:rPr lang="en-US" dirty="0"/>
-              <a:t>For Selection Tool: Illustrate using it on at least two different tables.</a:t>
-            </a:r>
-          </a:p>
-          <a:p>
-            <a:r>
-              <a:rPr lang="en-US" dirty="0"/>
-              <a:t>Lastly, show key blocks of the code (formatting, comments, and names).</a:t>
+              <a:t>Useful for seeing what characters belong to what users, seeing how much health, stamina, strength, and location of character</a:t>
             </a:r>
           </a:p>
         </p:txBody>
@@ -8000,6 +8095,663 @@
     <p:extLst>
       <p:ext uri="{BB962C8B-B14F-4D97-AF65-F5344CB8AC3E}">
         <p14:creationId xmlns:p14="http://schemas.microsoft.com/office/powerpoint/2010/main" val="39425359"/>
+      </p:ext>
+    </p:extLst>
+  </p:cSld>
+  <p:clrMapOvr>
+    <a:masterClrMapping/>
+  </p:clrMapOvr>
+</p:sld>
+</file>
+
+<file path=ppt/slides/slide5.xml><?xml version="1.0" encoding="utf-8"?>
+<p:sld xmlns:a="http://schemas.openxmlformats.org/drawingml/2006/main" xmlns:r="http://schemas.openxmlformats.org/officeDocument/2006/relationships" xmlns:p="http://schemas.openxmlformats.org/presentationml/2006/main">
+  <p:cSld>
+    <p:spTree>
+      <p:nvGrpSpPr>
+        <p:cNvPr id="1" name=""/>
+        <p:cNvGrpSpPr/>
+        <p:nvPr/>
+      </p:nvGrpSpPr>
+      <p:grpSpPr>
+        <a:xfrm>
+          <a:off x="0" y="0"/>
+          <a:ext cx="0" cy="0"/>
+          <a:chOff x="0" y="0"/>
+          <a:chExt cx="0" cy="0"/>
+        </a:xfrm>
+      </p:grpSpPr>
+      <p:sp>
+        <p:nvSpPr>
+          <p:cNvPr id="2" name="Title 1"/>
+          <p:cNvSpPr>
+            <a:spLocks noGrp="1"/>
+          </p:cNvSpPr>
+          <p:nvPr>
+            <p:ph type="title"/>
+          </p:nvPr>
+        </p:nvSpPr>
+        <p:spPr/>
+        <p:txBody>
+          <a:bodyPr>
+            <a:normAutofit/>
+          </a:bodyPr>
+          <a:lstStyle/>
+          <a:p>
+            <a:r>
+              <a:rPr lang="en-US" dirty="0" err="1"/>
+              <a:t>CharactersLayout</a:t>
+            </a:r>
+            <a:r>
+              <a:rPr lang="en-US" dirty="0"/>
+              <a:t>: Insert</a:t>
+            </a:r>
+            <a:endParaRPr lang="en-US" sz="2000" dirty="0"/>
+          </a:p>
+        </p:txBody>
+      </p:sp>
+      <p:sp>
+        <p:nvSpPr>
+          <p:cNvPr id="7" name="Content Placeholder 6"/>
+          <p:cNvSpPr>
+            <a:spLocks noGrp="1"/>
+          </p:cNvSpPr>
+          <p:nvPr>
+            <p:ph idx="1"/>
+          </p:nvPr>
+        </p:nvSpPr>
+        <p:spPr/>
+        <p:txBody>
+          <a:bodyPr>
+            <a:normAutofit/>
+          </a:bodyPr>
+          <a:lstStyle/>
+          <a:p>
+            <a:r>
+              <a:rPr lang="en-US" dirty="0" err="1"/>
+              <a:t>AddCharacter</a:t>
+            </a:r>
+            <a:r>
+              <a:rPr lang="en-US" dirty="0"/>
+              <a:t> and </a:t>
+            </a:r>
+            <a:r>
+              <a:rPr lang="en-US" dirty="0" err="1"/>
+              <a:t>AddUser</a:t>
+            </a:r>
+            <a:r>
+              <a:rPr lang="en-US" dirty="0"/>
+              <a:t> are classes that utilize the insert SQL functions.  </a:t>
+            </a:r>
+          </a:p>
+          <a:p>
+            <a:r>
+              <a:rPr lang="en-US" dirty="0"/>
+              <a:t>Example: </a:t>
+            </a:r>
+          </a:p>
+          <a:p>
+            <a:endParaRPr lang="en-US" dirty="0"/>
+          </a:p>
+        </p:txBody>
+      </p:sp>
+      <p:pic>
+        <p:nvPicPr>
+          <p:cNvPr id="3" name="Picture 2">
+            <a:extLst>
+              <a:ext uri="{FF2B5EF4-FFF2-40B4-BE49-F238E27FC236}">
+                <a16:creationId xmlns:a16="http://schemas.microsoft.com/office/drawing/2014/main" id="{0FDB5958-8B32-4F27-AB45-E75E89105123}"/>
+              </a:ext>
+            </a:extLst>
+          </p:cNvPr>
+          <p:cNvPicPr>
+            <a:picLocks noChangeAspect="1"/>
+          </p:cNvPicPr>
+          <p:nvPr/>
+        </p:nvPicPr>
+        <p:blipFill>
+          <a:blip r:embed="rId2"/>
+          <a:stretch>
+            <a:fillRect/>
+          </a:stretch>
+        </p:blipFill>
+        <p:spPr>
+          <a:xfrm>
+            <a:off x="670560" y="4099561"/>
+            <a:ext cx="7802880" cy="1749737"/>
+          </a:xfrm>
+          <a:prstGeom prst="rect">
+            <a:avLst/>
+          </a:prstGeom>
+        </p:spPr>
+      </p:pic>
+    </p:spTree>
+    <p:extLst>
+      <p:ext uri="{BB962C8B-B14F-4D97-AF65-F5344CB8AC3E}">
+        <p14:creationId xmlns:p14="http://schemas.microsoft.com/office/powerpoint/2010/main" val="3553748820"/>
+      </p:ext>
+    </p:extLst>
+  </p:cSld>
+  <p:clrMapOvr>
+    <a:masterClrMapping/>
+  </p:clrMapOvr>
+</p:sld>
+</file>
+
+<file path=ppt/slides/slide6.xml><?xml version="1.0" encoding="utf-8"?>
+<p:sld xmlns:a="http://schemas.openxmlformats.org/drawingml/2006/main" xmlns:r="http://schemas.openxmlformats.org/officeDocument/2006/relationships" xmlns:p="http://schemas.openxmlformats.org/presentationml/2006/main">
+  <p:cSld>
+    <p:spTree>
+      <p:nvGrpSpPr>
+        <p:cNvPr id="1" name=""/>
+        <p:cNvGrpSpPr/>
+        <p:nvPr/>
+      </p:nvGrpSpPr>
+      <p:grpSpPr>
+        <a:xfrm>
+          <a:off x="0" y="0"/>
+          <a:ext cx="0" cy="0"/>
+          <a:chOff x="0" y="0"/>
+          <a:chExt cx="0" cy="0"/>
+        </a:xfrm>
+      </p:grpSpPr>
+      <p:sp>
+        <p:nvSpPr>
+          <p:cNvPr id="2" name="Title 1"/>
+          <p:cNvSpPr>
+            <a:spLocks noGrp="1"/>
+          </p:cNvSpPr>
+          <p:nvPr>
+            <p:ph type="title"/>
+          </p:nvPr>
+        </p:nvSpPr>
+        <p:spPr/>
+        <p:txBody>
+          <a:bodyPr>
+            <a:normAutofit/>
+          </a:bodyPr>
+          <a:lstStyle/>
+          <a:p>
+            <a:r>
+              <a:rPr lang="en-US" dirty="0" err="1"/>
+              <a:t>CharactersLayout</a:t>
+            </a:r>
+            <a:r>
+              <a:rPr lang="en-US" dirty="0"/>
+              <a:t>: Update</a:t>
+            </a:r>
+            <a:endParaRPr lang="en-US" sz="2000" dirty="0"/>
+          </a:p>
+        </p:txBody>
+      </p:sp>
+      <p:sp>
+        <p:nvSpPr>
+          <p:cNvPr id="7" name="Content Placeholder 6"/>
+          <p:cNvSpPr>
+            <a:spLocks noGrp="1"/>
+          </p:cNvSpPr>
+          <p:nvPr>
+            <p:ph idx="1"/>
+          </p:nvPr>
+        </p:nvSpPr>
+        <p:spPr/>
+        <p:txBody>
+          <a:bodyPr>
+            <a:normAutofit/>
+          </a:bodyPr>
+          <a:lstStyle/>
+          <a:p>
+            <a:r>
+              <a:rPr lang="en-US" dirty="0" err="1"/>
+              <a:t>EditCharacter</a:t>
+            </a:r>
+            <a:r>
+              <a:rPr lang="en-US" dirty="0"/>
+              <a:t> is a class that utilizes the update SQL function. </a:t>
+            </a:r>
+          </a:p>
+          <a:p>
+            <a:r>
+              <a:rPr lang="en-US" dirty="0"/>
+              <a:t>Example: </a:t>
+            </a:r>
+          </a:p>
+          <a:p>
+            <a:endParaRPr lang="en-US" dirty="0"/>
+          </a:p>
+        </p:txBody>
+      </p:sp>
+      <p:pic>
+        <p:nvPicPr>
+          <p:cNvPr id="4" name="Picture 3">
+            <a:extLst>
+              <a:ext uri="{FF2B5EF4-FFF2-40B4-BE49-F238E27FC236}">
+                <a16:creationId xmlns:a16="http://schemas.microsoft.com/office/drawing/2014/main" id="{55CF15DF-0DCE-4107-AD5D-DCCC60CC7D0B}"/>
+              </a:ext>
+            </a:extLst>
+          </p:cNvPr>
+          <p:cNvPicPr>
+            <a:picLocks noChangeAspect="1"/>
+          </p:cNvPicPr>
+          <p:nvPr/>
+        </p:nvPicPr>
+        <p:blipFill>
+          <a:blip r:embed="rId2"/>
+          <a:stretch>
+            <a:fillRect/>
+          </a:stretch>
+        </p:blipFill>
+        <p:spPr>
+          <a:xfrm>
+            <a:off x="615696" y="3642711"/>
+            <a:ext cx="7912608" cy="2746525"/>
+          </a:xfrm>
+          <a:prstGeom prst="rect">
+            <a:avLst/>
+          </a:prstGeom>
+        </p:spPr>
+      </p:pic>
+    </p:spTree>
+    <p:extLst>
+      <p:ext uri="{BB962C8B-B14F-4D97-AF65-F5344CB8AC3E}">
+        <p14:creationId xmlns:p14="http://schemas.microsoft.com/office/powerpoint/2010/main" val="1914038468"/>
+      </p:ext>
+    </p:extLst>
+  </p:cSld>
+  <p:clrMapOvr>
+    <a:masterClrMapping/>
+  </p:clrMapOvr>
+</p:sld>
+</file>
+
+<file path=ppt/slides/slide7.xml><?xml version="1.0" encoding="utf-8"?>
+<p:sld xmlns:a="http://schemas.openxmlformats.org/drawingml/2006/main" xmlns:r="http://schemas.openxmlformats.org/officeDocument/2006/relationships" xmlns:p="http://schemas.openxmlformats.org/presentationml/2006/main">
+  <p:cSld>
+    <p:spTree>
+      <p:nvGrpSpPr>
+        <p:cNvPr id="1" name=""/>
+        <p:cNvGrpSpPr/>
+        <p:nvPr/>
+      </p:nvGrpSpPr>
+      <p:grpSpPr>
+        <a:xfrm>
+          <a:off x="0" y="0"/>
+          <a:ext cx="0" cy="0"/>
+          <a:chOff x="0" y="0"/>
+          <a:chExt cx="0" cy="0"/>
+        </a:xfrm>
+      </p:grpSpPr>
+      <p:sp>
+        <p:nvSpPr>
+          <p:cNvPr id="2" name="Title 1"/>
+          <p:cNvSpPr>
+            <a:spLocks noGrp="1"/>
+          </p:cNvSpPr>
+          <p:nvPr>
+            <p:ph type="title"/>
+          </p:nvPr>
+        </p:nvSpPr>
+        <p:spPr/>
+        <p:txBody>
+          <a:bodyPr>
+            <a:normAutofit/>
+          </a:bodyPr>
+          <a:lstStyle/>
+          <a:p>
+            <a:r>
+              <a:rPr lang="en-US" dirty="0" err="1"/>
+              <a:t>CharactersLayout</a:t>
+            </a:r>
+            <a:r>
+              <a:rPr lang="en-US" dirty="0"/>
+              <a:t>: Delete</a:t>
+            </a:r>
+            <a:endParaRPr lang="en-US" sz="2000" dirty="0"/>
+          </a:p>
+        </p:txBody>
+      </p:sp>
+      <p:sp>
+        <p:nvSpPr>
+          <p:cNvPr id="7" name="Content Placeholder 6"/>
+          <p:cNvSpPr>
+            <a:spLocks noGrp="1"/>
+          </p:cNvSpPr>
+          <p:nvPr>
+            <p:ph idx="1"/>
+          </p:nvPr>
+        </p:nvSpPr>
+        <p:spPr/>
+        <p:txBody>
+          <a:bodyPr>
+            <a:normAutofit/>
+          </a:bodyPr>
+          <a:lstStyle/>
+          <a:p>
+            <a:r>
+              <a:rPr lang="en-US" dirty="0" err="1"/>
+              <a:t>EditCharacter</a:t>
+            </a:r>
+            <a:r>
+              <a:rPr lang="en-US" dirty="0"/>
+              <a:t> is a class that utilizes the delete SQL function. </a:t>
+            </a:r>
+          </a:p>
+          <a:p>
+            <a:r>
+              <a:rPr lang="en-US" dirty="0"/>
+              <a:t>Example: </a:t>
+            </a:r>
+          </a:p>
+          <a:p>
+            <a:endParaRPr lang="en-US" dirty="0"/>
+          </a:p>
+        </p:txBody>
+      </p:sp>
+      <p:pic>
+        <p:nvPicPr>
+          <p:cNvPr id="3" name="Picture 2">
+            <a:extLst>
+              <a:ext uri="{FF2B5EF4-FFF2-40B4-BE49-F238E27FC236}">
+                <a16:creationId xmlns:a16="http://schemas.microsoft.com/office/drawing/2014/main" id="{04997AC3-F684-4FCB-9B83-5F17C0D5E143}"/>
+              </a:ext>
+            </a:extLst>
+          </p:cNvPr>
+          <p:cNvPicPr>
+            <a:picLocks noChangeAspect="1"/>
+          </p:cNvPicPr>
+          <p:nvPr/>
+        </p:nvPicPr>
+        <p:blipFill>
+          <a:blip r:embed="rId2"/>
+          <a:stretch>
+            <a:fillRect/>
+          </a:stretch>
+        </p:blipFill>
+        <p:spPr>
+          <a:xfrm>
+            <a:off x="621792" y="4312010"/>
+            <a:ext cx="7900416" cy="971624"/>
+          </a:xfrm>
+          <a:prstGeom prst="rect">
+            <a:avLst/>
+          </a:prstGeom>
+        </p:spPr>
+      </p:pic>
+    </p:spTree>
+    <p:extLst>
+      <p:ext uri="{BB962C8B-B14F-4D97-AF65-F5344CB8AC3E}">
+        <p14:creationId xmlns:p14="http://schemas.microsoft.com/office/powerpoint/2010/main" val="1680603667"/>
+      </p:ext>
+    </p:extLst>
+  </p:cSld>
+  <p:clrMapOvr>
+    <a:masterClrMapping/>
+  </p:clrMapOvr>
+</p:sld>
+</file>
+
+<file path=ppt/slides/slide8.xml><?xml version="1.0" encoding="utf-8"?>
+<p:sld xmlns:a="http://schemas.openxmlformats.org/drawingml/2006/main" xmlns:r="http://schemas.openxmlformats.org/officeDocument/2006/relationships" xmlns:p="http://schemas.openxmlformats.org/presentationml/2006/main">
+  <p:cSld>
+    <p:spTree>
+      <p:nvGrpSpPr>
+        <p:cNvPr id="1" name=""/>
+        <p:cNvGrpSpPr/>
+        <p:nvPr/>
+      </p:nvGrpSpPr>
+      <p:grpSpPr>
+        <a:xfrm>
+          <a:off x="0" y="0"/>
+          <a:ext cx="0" cy="0"/>
+          <a:chOff x="0" y="0"/>
+          <a:chExt cx="0" cy="0"/>
+        </a:xfrm>
+      </p:grpSpPr>
+      <p:sp>
+        <p:nvSpPr>
+          <p:cNvPr id="2" name="Title 1"/>
+          <p:cNvSpPr>
+            <a:spLocks noGrp="1"/>
+          </p:cNvSpPr>
+          <p:nvPr>
+            <p:ph type="title"/>
+          </p:nvPr>
+        </p:nvSpPr>
+        <p:spPr/>
+        <p:txBody>
+          <a:bodyPr>
+            <a:normAutofit/>
+          </a:bodyPr>
+          <a:lstStyle/>
+          <a:p>
+            <a:r>
+              <a:rPr lang="en-US" dirty="0" err="1"/>
+              <a:t>CharactersLayout</a:t>
+            </a:r>
+            <a:r>
+              <a:rPr lang="en-US" dirty="0"/>
+              <a:t>: Select</a:t>
+            </a:r>
+            <a:endParaRPr lang="en-US" sz="2000" dirty="0"/>
+          </a:p>
+        </p:txBody>
+      </p:sp>
+      <p:sp>
+        <p:nvSpPr>
+          <p:cNvPr id="7" name="Content Placeholder 6"/>
+          <p:cNvSpPr>
+            <a:spLocks noGrp="1"/>
+          </p:cNvSpPr>
+          <p:nvPr>
+            <p:ph idx="1"/>
+          </p:nvPr>
+        </p:nvSpPr>
+        <p:spPr/>
+        <p:txBody>
+          <a:bodyPr>
+            <a:normAutofit/>
+          </a:bodyPr>
+          <a:lstStyle/>
+          <a:p>
+            <a:r>
+              <a:rPr lang="en-US" dirty="0" err="1"/>
+              <a:t>genCharactersPanel</a:t>
+            </a:r>
+            <a:r>
+              <a:rPr lang="en-US" dirty="0"/>
+              <a:t> and </a:t>
+            </a:r>
+            <a:r>
+              <a:rPr lang="en-US" dirty="0" err="1"/>
+              <a:t>genStatsPanel</a:t>
+            </a:r>
+            <a:r>
+              <a:rPr lang="en-US" dirty="0"/>
+              <a:t> are two functions inside the </a:t>
+            </a:r>
+            <a:r>
+              <a:rPr lang="en-US" dirty="0" err="1"/>
+              <a:t>CharactersLayout</a:t>
+            </a:r>
+            <a:r>
+              <a:rPr lang="en-US" dirty="0"/>
+              <a:t> class that utilizes the select statements frequently. </a:t>
+            </a:r>
+          </a:p>
+          <a:p>
+            <a:r>
+              <a:rPr lang="en-US" dirty="0" err="1"/>
+              <a:t>genCharactersPanel</a:t>
+            </a:r>
+            <a:r>
+              <a:rPr lang="en-US" dirty="0"/>
+              <a:t> a stored procedure that looks like this: </a:t>
+            </a:r>
+          </a:p>
+          <a:p>
+            <a:endParaRPr lang="en-US" dirty="0"/>
+          </a:p>
+        </p:txBody>
+      </p:sp>
+      <p:pic>
+        <p:nvPicPr>
+          <p:cNvPr id="6" name="Picture 5">
+            <a:extLst>
+              <a:ext uri="{FF2B5EF4-FFF2-40B4-BE49-F238E27FC236}">
+                <a16:creationId xmlns:a16="http://schemas.microsoft.com/office/drawing/2014/main" id="{C15A78DF-27D0-4860-8A7D-708BEA0CE78C}"/>
+              </a:ext>
+            </a:extLst>
+          </p:cNvPr>
+          <p:cNvPicPr>
+            <a:picLocks noChangeAspect="1"/>
+          </p:cNvPicPr>
+          <p:nvPr/>
+        </p:nvPicPr>
+        <p:blipFill>
+          <a:blip r:embed="rId2"/>
+          <a:stretch>
+            <a:fillRect/>
+          </a:stretch>
+        </p:blipFill>
+        <p:spPr>
+          <a:xfrm>
+            <a:off x="450056" y="4681078"/>
+            <a:ext cx="8243887" cy="331523"/>
+          </a:xfrm>
+          <a:prstGeom prst="rect">
+            <a:avLst/>
+          </a:prstGeom>
+        </p:spPr>
+      </p:pic>
+    </p:spTree>
+    <p:extLst>
+      <p:ext uri="{BB962C8B-B14F-4D97-AF65-F5344CB8AC3E}">
+        <p14:creationId xmlns:p14="http://schemas.microsoft.com/office/powerpoint/2010/main" val="3512558754"/>
+      </p:ext>
+    </p:extLst>
+  </p:cSld>
+  <p:clrMapOvr>
+    <a:masterClrMapping/>
+  </p:clrMapOvr>
+</p:sld>
+</file>
+
+<file path=ppt/slides/slide9.xml><?xml version="1.0" encoding="utf-8"?>
+<p:sld xmlns:a="http://schemas.openxmlformats.org/drawingml/2006/main" xmlns:r="http://schemas.openxmlformats.org/officeDocument/2006/relationships" xmlns:p="http://schemas.openxmlformats.org/presentationml/2006/main">
+  <p:cSld>
+    <p:spTree>
+      <p:nvGrpSpPr>
+        <p:cNvPr id="1" name=""/>
+        <p:cNvGrpSpPr/>
+        <p:nvPr/>
+      </p:nvGrpSpPr>
+      <p:grpSpPr>
+        <a:xfrm>
+          <a:off x="0" y="0"/>
+          <a:ext cx="0" cy="0"/>
+          <a:chOff x="0" y="0"/>
+          <a:chExt cx="0" cy="0"/>
+        </a:xfrm>
+      </p:grpSpPr>
+      <p:sp>
+        <p:nvSpPr>
+          <p:cNvPr id="2" name="Title 1"/>
+          <p:cNvSpPr>
+            <a:spLocks noGrp="1"/>
+          </p:cNvSpPr>
+          <p:nvPr>
+            <p:ph type="title"/>
+          </p:nvPr>
+        </p:nvSpPr>
+        <p:spPr/>
+        <p:txBody>
+          <a:bodyPr>
+            <a:normAutofit/>
+          </a:bodyPr>
+          <a:lstStyle/>
+          <a:p>
+            <a:r>
+              <a:rPr lang="en-US" dirty="0" err="1"/>
+              <a:t>CharactersLayout</a:t>
+            </a:r>
+            <a:r>
+              <a:rPr lang="en-US" dirty="0"/>
+              <a:t>: Select</a:t>
+            </a:r>
+            <a:endParaRPr lang="en-US" sz="2000" dirty="0"/>
+          </a:p>
+        </p:txBody>
+      </p:sp>
+      <p:sp>
+        <p:nvSpPr>
+          <p:cNvPr id="7" name="Content Placeholder 6"/>
+          <p:cNvSpPr>
+            <a:spLocks noGrp="1"/>
+          </p:cNvSpPr>
+          <p:nvPr>
+            <p:ph idx="1"/>
+          </p:nvPr>
+        </p:nvSpPr>
+        <p:spPr>
+          <a:xfrm>
+            <a:off x="631888" y="1975105"/>
+            <a:ext cx="7345363" cy="3931920"/>
+          </a:xfrm>
+        </p:spPr>
+        <p:txBody>
+          <a:bodyPr>
+            <a:normAutofit/>
+          </a:bodyPr>
+          <a:lstStyle/>
+          <a:p>
+            <a:r>
+              <a:rPr lang="en-US" dirty="0" err="1"/>
+              <a:t>genStatsPanel</a:t>
+            </a:r>
+            <a:r>
+              <a:rPr lang="en-US" dirty="0"/>
+              <a:t> calls this function to retrieve all of its stats: </a:t>
+            </a:r>
+          </a:p>
+          <a:p>
+            <a:endParaRPr lang="en-US" dirty="0"/>
+          </a:p>
+        </p:txBody>
+      </p:sp>
+      <p:pic>
+        <p:nvPicPr>
+          <p:cNvPr id="3" name="Picture 2">
+            <a:extLst>
+              <a:ext uri="{FF2B5EF4-FFF2-40B4-BE49-F238E27FC236}">
+                <a16:creationId xmlns:a16="http://schemas.microsoft.com/office/drawing/2014/main" id="{158494F6-3428-4E0F-8EEA-2F0A64AE35A3}"/>
+              </a:ext>
+            </a:extLst>
+          </p:cNvPr>
+          <p:cNvPicPr>
+            <a:picLocks noChangeAspect="1"/>
+          </p:cNvPicPr>
+          <p:nvPr/>
+        </p:nvPicPr>
+        <p:blipFill>
+          <a:blip r:embed="rId2"/>
+          <a:stretch>
+            <a:fillRect/>
+          </a:stretch>
+        </p:blipFill>
+        <p:spPr>
+          <a:xfrm>
+            <a:off x="1901808" y="2456293"/>
+            <a:ext cx="6474095" cy="4035629"/>
+          </a:xfrm>
+          <a:prstGeom prst="rect">
+            <a:avLst/>
+          </a:prstGeom>
+        </p:spPr>
+      </p:pic>
+    </p:spTree>
+    <p:extLst>
+      <p:ext uri="{BB962C8B-B14F-4D97-AF65-F5344CB8AC3E}">
+        <p14:creationId xmlns:p14="http://schemas.microsoft.com/office/powerpoint/2010/main" val="2731855635"/>
       </p:ext>
     </p:extLst>
   </p:cSld>

--- a/Presentation.pptx
+++ b/Presentation.pptx
@@ -8,13 +8,17 @@
     <p:sldId id="256" r:id="rId2"/>
     <p:sldId id="260" r:id="rId3"/>
     <p:sldId id="257" r:id="rId4"/>
-    <p:sldId id="258" r:id="rId5"/>
-    <p:sldId id="263" r:id="rId6"/>
-    <p:sldId id="262" r:id="rId7"/>
-    <p:sldId id="264" r:id="rId8"/>
-    <p:sldId id="265" r:id="rId9"/>
-    <p:sldId id="266" r:id="rId10"/>
-    <p:sldId id="261" r:id="rId11"/>
+    <p:sldId id="267" r:id="rId5"/>
+    <p:sldId id="268" r:id="rId6"/>
+    <p:sldId id="269" r:id="rId7"/>
+    <p:sldId id="270" r:id="rId8"/>
+    <p:sldId id="258" r:id="rId9"/>
+    <p:sldId id="263" r:id="rId10"/>
+    <p:sldId id="262" r:id="rId11"/>
+    <p:sldId id="264" r:id="rId12"/>
+    <p:sldId id="265" r:id="rId13"/>
+    <p:sldId id="266" r:id="rId14"/>
+    <p:sldId id="261" r:id="rId15"/>
   </p:sldIdLst>
   <p:sldSz cx="9144000" cy="6858000" type="screen4x3"/>
   <p:notesSz cx="6858000" cy="9144000"/>
@@ -7646,6 +7650,529 @@
           <a:lstStyle/>
           <a:p>
             <a:r>
+              <a:rPr lang="en-US" dirty="0" err="1"/>
+              <a:t>CharactersLayout</a:t>
+            </a:r>
+            <a:r>
+              <a:rPr lang="en-US" dirty="0"/>
+              <a:t>: Update</a:t>
+            </a:r>
+            <a:endParaRPr lang="en-US" sz="2000" dirty="0"/>
+          </a:p>
+        </p:txBody>
+      </p:sp>
+      <p:sp>
+        <p:nvSpPr>
+          <p:cNvPr id="7" name="Content Placeholder 6"/>
+          <p:cNvSpPr>
+            <a:spLocks noGrp="1"/>
+          </p:cNvSpPr>
+          <p:nvPr>
+            <p:ph idx="1"/>
+          </p:nvPr>
+        </p:nvSpPr>
+        <p:spPr/>
+        <p:txBody>
+          <a:bodyPr>
+            <a:normAutofit/>
+          </a:bodyPr>
+          <a:lstStyle/>
+          <a:p>
+            <a:r>
+              <a:rPr lang="en-US" dirty="0" err="1"/>
+              <a:t>EditCharacter</a:t>
+            </a:r>
+            <a:r>
+              <a:rPr lang="en-US" dirty="0"/>
+              <a:t> is a class that utilizes the update SQL function. </a:t>
+            </a:r>
+          </a:p>
+          <a:p>
+            <a:r>
+              <a:rPr lang="en-US" dirty="0"/>
+              <a:t>Example: </a:t>
+            </a:r>
+          </a:p>
+          <a:p>
+            <a:endParaRPr lang="en-US" dirty="0"/>
+          </a:p>
+        </p:txBody>
+      </p:sp>
+      <p:pic>
+        <p:nvPicPr>
+          <p:cNvPr id="4" name="Picture 3">
+            <a:extLst>
+              <a:ext uri="{FF2B5EF4-FFF2-40B4-BE49-F238E27FC236}">
+                <a16:creationId xmlns:a16="http://schemas.microsoft.com/office/drawing/2014/main" id="{55CF15DF-0DCE-4107-AD5D-DCCC60CC7D0B}"/>
+              </a:ext>
+            </a:extLst>
+          </p:cNvPr>
+          <p:cNvPicPr>
+            <a:picLocks noChangeAspect="1"/>
+          </p:cNvPicPr>
+          <p:nvPr/>
+        </p:nvPicPr>
+        <p:blipFill>
+          <a:blip r:embed="rId2"/>
+          <a:stretch>
+            <a:fillRect/>
+          </a:stretch>
+        </p:blipFill>
+        <p:spPr>
+          <a:xfrm>
+            <a:off x="615696" y="3642711"/>
+            <a:ext cx="7912608" cy="2746525"/>
+          </a:xfrm>
+          <a:prstGeom prst="rect">
+            <a:avLst/>
+          </a:prstGeom>
+        </p:spPr>
+      </p:pic>
+    </p:spTree>
+    <p:extLst>
+      <p:ext uri="{BB962C8B-B14F-4D97-AF65-F5344CB8AC3E}">
+        <p14:creationId xmlns:p14="http://schemas.microsoft.com/office/powerpoint/2010/main" val="1914038468"/>
+      </p:ext>
+    </p:extLst>
+  </p:cSld>
+  <p:clrMapOvr>
+    <a:masterClrMapping/>
+  </p:clrMapOvr>
+</p:sld>
+</file>
+
+<file path=ppt/slides/slide11.xml><?xml version="1.0" encoding="utf-8"?>
+<p:sld xmlns:a="http://schemas.openxmlformats.org/drawingml/2006/main" xmlns:r="http://schemas.openxmlformats.org/officeDocument/2006/relationships" xmlns:p="http://schemas.openxmlformats.org/presentationml/2006/main">
+  <p:cSld>
+    <p:spTree>
+      <p:nvGrpSpPr>
+        <p:cNvPr id="1" name=""/>
+        <p:cNvGrpSpPr/>
+        <p:nvPr/>
+      </p:nvGrpSpPr>
+      <p:grpSpPr>
+        <a:xfrm>
+          <a:off x="0" y="0"/>
+          <a:ext cx="0" cy="0"/>
+          <a:chOff x="0" y="0"/>
+          <a:chExt cx="0" cy="0"/>
+        </a:xfrm>
+      </p:grpSpPr>
+      <p:sp>
+        <p:nvSpPr>
+          <p:cNvPr id="2" name="Title 1"/>
+          <p:cNvSpPr>
+            <a:spLocks noGrp="1"/>
+          </p:cNvSpPr>
+          <p:nvPr>
+            <p:ph type="title"/>
+          </p:nvPr>
+        </p:nvSpPr>
+        <p:spPr/>
+        <p:txBody>
+          <a:bodyPr>
+            <a:normAutofit/>
+          </a:bodyPr>
+          <a:lstStyle/>
+          <a:p>
+            <a:r>
+              <a:rPr lang="en-US" dirty="0" err="1"/>
+              <a:t>CharactersLayout</a:t>
+            </a:r>
+            <a:r>
+              <a:rPr lang="en-US" dirty="0"/>
+              <a:t>: Delete</a:t>
+            </a:r>
+            <a:endParaRPr lang="en-US" sz="2000" dirty="0"/>
+          </a:p>
+        </p:txBody>
+      </p:sp>
+      <p:sp>
+        <p:nvSpPr>
+          <p:cNvPr id="7" name="Content Placeholder 6"/>
+          <p:cNvSpPr>
+            <a:spLocks noGrp="1"/>
+          </p:cNvSpPr>
+          <p:nvPr>
+            <p:ph idx="1"/>
+          </p:nvPr>
+        </p:nvSpPr>
+        <p:spPr/>
+        <p:txBody>
+          <a:bodyPr>
+            <a:normAutofit/>
+          </a:bodyPr>
+          <a:lstStyle/>
+          <a:p>
+            <a:r>
+              <a:rPr lang="en-US" dirty="0" err="1"/>
+              <a:t>EditCharacter</a:t>
+            </a:r>
+            <a:r>
+              <a:rPr lang="en-US" dirty="0"/>
+              <a:t> is a class that utilizes the delete SQL function. </a:t>
+            </a:r>
+          </a:p>
+          <a:p>
+            <a:r>
+              <a:rPr lang="en-US" dirty="0"/>
+              <a:t>Example: </a:t>
+            </a:r>
+          </a:p>
+          <a:p>
+            <a:endParaRPr lang="en-US" dirty="0"/>
+          </a:p>
+        </p:txBody>
+      </p:sp>
+      <p:pic>
+        <p:nvPicPr>
+          <p:cNvPr id="3" name="Picture 2">
+            <a:extLst>
+              <a:ext uri="{FF2B5EF4-FFF2-40B4-BE49-F238E27FC236}">
+                <a16:creationId xmlns:a16="http://schemas.microsoft.com/office/drawing/2014/main" id="{04997AC3-F684-4FCB-9B83-5F17C0D5E143}"/>
+              </a:ext>
+            </a:extLst>
+          </p:cNvPr>
+          <p:cNvPicPr>
+            <a:picLocks noChangeAspect="1"/>
+          </p:cNvPicPr>
+          <p:nvPr/>
+        </p:nvPicPr>
+        <p:blipFill>
+          <a:blip r:embed="rId2"/>
+          <a:stretch>
+            <a:fillRect/>
+          </a:stretch>
+        </p:blipFill>
+        <p:spPr>
+          <a:xfrm>
+            <a:off x="621792" y="4312010"/>
+            <a:ext cx="7900416" cy="971624"/>
+          </a:xfrm>
+          <a:prstGeom prst="rect">
+            <a:avLst/>
+          </a:prstGeom>
+        </p:spPr>
+      </p:pic>
+    </p:spTree>
+    <p:extLst>
+      <p:ext uri="{BB962C8B-B14F-4D97-AF65-F5344CB8AC3E}">
+        <p14:creationId xmlns:p14="http://schemas.microsoft.com/office/powerpoint/2010/main" val="1680603667"/>
+      </p:ext>
+    </p:extLst>
+  </p:cSld>
+  <p:clrMapOvr>
+    <a:masterClrMapping/>
+  </p:clrMapOvr>
+</p:sld>
+</file>
+
+<file path=ppt/slides/slide12.xml><?xml version="1.0" encoding="utf-8"?>
+<p:sld xmlns:a="http://schemas.openxmlformats.org/drawingml/2006/main" xmlns:r="http://schemas.openxmlformats.org/officeDocument/2006/relationships" xmlns:p="http://schemas.openxmlformats.org/presentationml/2006/main">
+  <p:cSld>
+    <p:spTree>
+      <p:nvGrpSpPr>
+        <p:cNvPr id="1" name=""/>
+        <p:cNvGrpSpPr/>
+        <p:nvPr/>
+      </p:nvGrpSpPr>
+      <p:grpSpPr>
+        <a:xfrm>
+          <a:off x="0" y="0"/>
+          <a:ext cx="0" cy="0"/>
+          <a:chOff x="0" y="0"/>
+          <a:chExt cx="0" cy="0"/>
+        </a:xfrm>
+      </p:grpSpPr>
+      <p:sp>
+        <p:nvSpPr>
+          <p:cNvPr id="2" name="Title 1"/>
+          <p:cNvSpPr>
+            <a:spLocks noGrp="1"/>
+          </p:cNvSpPr>
+          <p:nvPr>
+            <p:ph type="title"/>
+          </p:nvPr>
+        </p:nvSpPr>
+        <p:spPr/>
+        <p:txBody>
+          <a:bodyPr>
+            <a:normAutofit/>
+          </a:bodyPr>
+          <a:lstStyle/>
+          <a:p>
+            <a:r>
+              <a:rPr lang="en-US" dirty="0" err="1"/>
+              <a:t>CharactersLayout</a:t>
+            </a:r>
+            <a:r>
+              <a:rPr lang="en-US" dirty="0"/>
+              <a:t>: Select</a:t>
+            </a:r>
+            <a:endParaRPr lang="en-US" sz="2000" dirty="0"/>
+          </a:p>
+        </p:txBody>
+      </p:sp>
+      <p:sp>
+        <p:nvSpPr>
+          <p:cNvPr id="7" name="Content Placeholder 6"/>
+          <p:cNvSpPr>
+            <a:spLocks noGrp="1"/>
+          </p:cNvSpPr>
+          <p:nvPr>
+            <p:ph idx="1"/>
+          </p:nvPr>
+        </p:nvSpPr>
+        <p:spPr/>
+        <p:txBody>
+          <a:bodyPr>
+            <a:normAutofit/>
+          </a:bodyPr>
+          <a:lstStyle/>
+          <a:p>
+            <a:r>
+              <a:rPr lang="en-US" dirty="0" err="1"/>
+              <a:t>genCharactersPanel</a:t>
+            </a:r>
+            <a:r>
+              <a:rPr lang="en-US" dirty="0"/>
+              <a:t> and </a:t>
+            </a:r>
+            <a:r>
+              <a:rPr lang="en-US" dirty="0" err="1"/>
+              <a:t>genStatsPanel</a:t>
+            </a:r>
+            <a:r>
+              <a:rPr lang="en-US" dirty="0"/>
+              <a:t> are two functions inside the </a:t>
+            </a:r>
+            <a:r>
+              <a:rPr lang="en-US" dirty="0" err="1"/>
+              <a:t>CharactersLayout</a:t>
+            </a:r>
+            <a:r>
+              <a:rPr lang="en-US" dirty="0"/>
+              <a:t> class that utilizes the select statements frequently. </a:t>
+            </a:r>
+          </a:p>
+          <a:p>
+            <a:r>
+              <a:rPr lang="en-US" dirty="0" err="1"/>
+              <a:t>genCharactersPanel</a:t>
+            </a:r>
+            <a:r>
+              <a:rPr lang="en-US" dirty="0"/>
+              <a:t> a stored procedure that looks like this: </a:t>
+            </a:r>
+          </a:p>
+          <a:p>
+            <a:endParaRPr lang="en-US" dirty="0"/>
+          </a:p>
+        </p:txBody>
+      </p:sp>
+      <p:pic>
+        <p:nvPicPr>
+          <p:cNvPr id="6" name="Picture 5">
+            <a:extLst>
+              <a:ext uri="{FF2B5EF4-FFF2-40B4-BE49-F238E27FC236}">
+                <a16:creationId xmlns:a16="http://schemas.microsoft.com/office/drawing/2014/main" id="{C15A78DF-27D0-4860-8A7D-708BEA0CE78C}"/>
+              </a:ext>
+            </a:extLst>
+          </p:cNvPr>
+          <p:cNvPicPr>
+            <a:picLocks noChangeAspect="1"/>
+          </p:cNvPicPr>
+          <p:nvPr/>
+        </p:nvPicPr>
+        <p:blipFill>
+          <a:blip r:embed="rId2"/>
+          <a:stretch>
+            <a:fillRect/>
+          </a:stretch>
+        </p:blipFill>
+        <p:spPr>
+          <a:xfrm>
+            <a:off x="450056" y="4681078"/>
+            <a:ext cx="8243887" cy="331523"/>
+          </a:xfrm>
+          <a:prstGeom prst="rect">
+            <a:avLst/>
+          </a:prstGeom>
+        </p:spPr>
+      </p:pic>
+    </p:spTree>
+    <p:extLst>
+      <p:ext uri="{BB962C8B-B14F-4D97-AF65-F5344CB8AC3E}">
+        <p14:creationId xmlns:p14="http://schemas.microsoft.com/office/powerpoint/2010/main" val="3512558754"/>
+      </p:ext>
+    </p:extLst>
+  </p:cSld>
+  <p:clrMapOvr>
+    <a:masterClrMapping/>
+  </p:clrMapOvr>
+</p:sld>
+</file>
+
+<file path=ppt/slides/slide13.xml><?xml version="1.0" encoding="utf-8"?>
+<p:sld xmlns:a="http://schemas.openxmlformats.org/drawingml/2006/main" xmlns:r="http://schemas.openxmlformats.org/officeDocument/2006/relationships" xmlns:p="http://schemas.openxmlformats.org/presentationml/2006/main">
+  <p:cSld>
+    <p:spTree>
+      <p:nvGrpSpPr>
+        <p:cNvPr id="1" name=""/>
+        <p:cNvGrpSpPr/>
+        <p:nvPr/>
+      </p:nvGrpSpPr>
+      <p:grpSpPr>
+        <a:xfrm>
+          <a:off x="0" y="0"/>
+          <a:ext cx="0" cy="0"/>
+          <a:chOff x="0" y="0"/>
+          <a:chExt cx="0" cy="0"/>
+        </a:xfrm>
+      </p:grpSpPr>
+      <p:sp>
+        <p:nvSpPr>
+          <p:cNvPr id="2" name="Title 1"/>
+          <p:cNvSpPr>
+            <a:spLocks noGrp="1"/>
+          </p:cNvSpPr>
+          <p:nvPr>
+            <p:ph type="title"/>
+          </p:nvPr>
+        </p:nvSpPr>
+        <p:spPr/>
+        <p:txBody>
+          <a:bodyPr>
+            <a:normAutofit/>
+          </a:bodyPr>
+          <a:lstStyle/>
+          <a:p>
+            <a:r>
+              <a:rPr lang="en-US" dirty="0" err="1"/>
+              <a:t>CharactersLayout</a:t>
+            </a:r>
+            <a:r>
+              <a:rPr lang="en-US" dirty="0"/>
+              <a:t>: Select</a:t>
+            </a:r>
+            <a:endParaRPr lang="en-US" sz="2000" dirty="0"/>
+          </a:p>
+        </p:txBody>
+      </p:sp>
+      <p:sp>
+        <p:nvSpPr>
+          <p:cNvPr id="7" name="Content Placeholder 6"/>
+          <p:cNvSpPr>
+            <a:spLocks noGrp="1"/>
+          </p:cNvSpPr>
+          <p:nvPr>
+            <p:ph idx="1"/>
+          </p:nvPr>
+        </p:nvSpPr>
+        <p:spPr>
+          <a:xfrm>
+            <a:off x="631888" y="1975105"/>
+            <a:ext cx="7345363" cy="3931920"/>
+          </a:xfrm>
+        </p:spPr>
+        <p:txBody>
+          <a:bodyPr>
+            <a:normAutofit/>
+          </a:bodyPr>
+          <a:lstStyle/>
+          <a:p>
+            <a:r>
+              <a:rPr lang="en-US" dirty="0" err="1"/>
+              <a:t>genStatsPanel</a:t>
+            </a:r>
+            <a:r>
+              <a:rPr lang="en-US" dirty="0"/>
+              <a:t> calls this function to retrieve all of its stats: </a:t>
+            </a:r>
+          </a:p>
+          <a:p>
+            <a:endParaRPr lang="en-US" dirty="0"/>
+          </a:p>
+        </p:txBody>
+      </p:sp>
+      <p:pic>
+        <p:nvPicPr>
+          <p:cNvPr id="3" name="Picture 2">
+            <a:extLst>
+              <a:ext uri="{FF2B5EF4-FFF2-40B4-BE49-F238E27FC236}">
+                <a16:creationId xmlns:a16="http://schemas.microsoft.com/office/drawing/2014/main" id="{158494F6-3428-4E0F-8EEA-2F0A64AE35A3}"/>
+              </a:ext>
+            </a:extLst>
+          </p:cNvPr>
+          <p:cNvPicPr>
+            <a:picLocks noChangeAspect="1"/>
+          </p:cNvPicPr>
+          <p:nvPr/>
+        </p:nvPicPr>
+        <p:blipFill>
+          <a:blip r:embed="rId2"/>
+          <a:stretch>
+            <a:fillRect/>
+          </a:stretch>
+        </p:blipFill>
+        <p:spPr>
+          <a:xfrm>
+            <a:off x="1901808" y="2456293"/>
+            <a:ext cx="6474095" cy="4035629"/>
+          </a:xfrm>
+          <a:prstGeom prst="rect">
+            <a:avLst/>
+          </a:prstGeom>
+        </p:spPr>
+      </p:pic>
+    </p:spTree>
+    <p:extLst>
+      <p:ext uri="{BB962C8B-B14F-4D97-AF65-F5344CB8AC3E}">
+        <p14:creationId xmlns:p14="http://schemas.microsoft.com/office/powerpoint/2010/main" val="2731855635"/>
+      </p:ext>
+    </p:extLst>
+  </p:cSld>
+  <p:clrMapOvr>
+    <a:masterClrMapping/>
+  </p:clrMapOvr>
+</p:sld>
+</file>
+
+<file path=ppt/slides/slide14.xml><?xml version="1.0" encoding="utf-8"?>
+<p:sld xmlns:a="http://schemas.openxmlformats.org/drawingml/2006/main" xmlns:r="http://schemas.openxmlformats.org/officeDocument/2006/relationships" xmlns:p="http://schemas.openxmlformats.org/presentationml/2006/main">
+  <p:cSld>
+    <p:spTree>
+      <p:nvGrpSpPr>
+        <p:cNvPr id="1" name=""/>
+        <p:cNvGrpSpPr/>
+        <p:nvPr/>
+      </p:nvGrpSpPr>
+      <p:grpSpPr>
+        <a:xfrm>
+          <a:off x="0" y="0"/>
+          <a:ext cx="0" cy="0"/>
+          <a:chOff x="0" y="0"/>
+          <a:chExt cx="0" cy="0"/>
+        </a:xfrm>
+      </p:grpSpPr>
+      <p:sp>
+        <p:nvSpPr>
+          <p:cNvPr id="2" name="Title 1"/>
+          <p:cNvSpPr>
+            <a:spLocks noGrp="1"/>
+          </p:cNvSpPr>
+          <p:nvPr>
+            <p:ph type="title"/>
+          </p:nvPr>
+        </p:nvSpPr>
+        <p:spPr/>
+        <p:txBody>
+          <a:bodyPr>
+            <a:normAutofit/>
+          </a:bodyPr>
+          <a:lstStyle/>
+          <a:p>
+            <a:r>
               <a:rPr lang="en-US" dirty="0"/>
               <a:t>Application Demo</a:t>
             </a:r>
@@ -8034,6 +8561,482 @@
       </p:grpSpPr>
       <p:sp>
         <p:nvSpPr>
+          <p:cNvPr id="2" name="Title 1">
+            <a:extLst>
+              <a:ext uri="{FF2B5EF4-FFF2-40B4-BE49-F238E27FC236}">
+                <a16:creationId xmlns:a16="http://schemas.microsoft.com/office/drawing/2014/main" id="{FA6F7136-2B54-4906-8E66-D8073D0F01A3}"/>
+              </a:ext>
+            </a:extLst>
+          </p:cNvPr>
+          <p:cNvSpPr>
+            <a:spLocks noGrp="1"/>
+          </p:cNvSpPr>
+          <p:nvPr>
+            <p:ph type="title"/>
+          </p:nvPr>
+        </p:nvSpPr>
+        <p:spPr/>
+        <p:txBody>
+          <a:bodyPr/>
+          <a:lstStyle/>
+          <a:p>
+            <a:r>
+              <a:rPr lang="en-US" dirty="0" err="1"/>
+              <a:t>ItemsLayout</a:t>
+            </a:r>
+            <a:endParaRPr lang="en-US" dirty="0"/>
+          </a:p>
+        </p:txBody>
+      </p:sp>
+      <p:sp>
+        <p:nvSpPr>
+          <p:cNvPr id="3" name="Content Placeholder 2">
+            <a:extLst>
+              <a:ext uri="{FF2B5EF4-FFF2-40B4-BE49-F238E27FC236}">
+                <a16:creationId xmlns:a16="http://schemas.microsoft.com/office/drawing/2014/main" id="{0617618C-AE3C-4DD0-A1D3-CA747E4A6C8B}"/>
+              </a:ext>
+            </a:extLst>
+          </p:cNvPr>
+          <p:cNvSpPr>
+            <a:spLocks noGrp="1"/>
+          </p:cNvSpPr>
+          <p:nvPr>
+            <p:ph idx="1"/>
+          </p:nvPr>
+        </p:nvSpPr>
+        <p:spPr/>
+        <p:txBody>
+          <a:bodyPr/>
+          <a:lstStyle/>
+          <a:p>
+            <a:r>
+              <a:rPr lang="en-US" dirty="0"/>
+              <a:t>The Layout displays All of the items in the database.</a:t>
+            </a:r>
+          </a:p>
+          <a:p>
+            <a:r>
+              <a:rPr lang="en-US" dirty="0"/>
+              <a:t>The values displayed are Id, Volume, Weight, </a:t>
+            </a:r>
+            <a:r>
+              <a:rPr lang="en-US" dirty="0" err="1"/>
+              <a:t>LocationId</a:t>
+            </a:r>
+            <a:r>
+              <a:rPr lang="en-US" dirty="0"/>
+              <a:t>, and Character Name. </a:t>
+            </a:r>
+          </a:p>
+          <a:p>
+            <a:r>
+              <a:rPr lang="en-US" dirty="0"/>
+              <a:t>This is Useful for seeing what items there are in the database and who has it or where it is.</a:t>
+            </a:r>
+          </a:p>
+        </p:txBody>
+      </p:sp>
+    </p:spTree>
+    <p:extLst>
+      <p:ext uri="{BB962C8B-B14F-4D97-AF65-F5344CB8AC3E}">
+        <p14:creationId xmlns:p14="http://schemas.microsoft.com/office/powerpoint/2010/main" val="1818188868"/>
+      </p:ext>
+    </p:extLst>
+  </p:cSld>
+  <p:clrMapOvr>
+    <a:masterClrMapping/>
+  </p:clrMapOvr>
+</p:sld>
+</file>
+
+<file path=ppt/slides/slide5.xml><?xml version="1.0" encoding="utf-8"?>
+<p:sld xmlns:a="http://schemas.openxmlformats.org/drawingml/2006/main" xmlns:r="http://schemas.openxmlformats.org/officeDocument/2006/relationships" xmlns:p="http://schemas.openxmlformats.org/presentationml/2006/main">
+  <p:cSld>
+    <p:spTree>
+      <p:nvGrpSpPr>
+        <p:cNvPr id="1" name=""/>
+        <p:cNvGrpSpPr/>
+        <p:nvPr/>
+      </p:nvGrpSpPr>
+      <p:grpSpPr>
+        <a:xfrm>
+          <a:off x="0" y="0"/>
+          <a:ext cx="0" cy="0"/>
+          <a:chOff x="0" y="0"/>
+          <a:chExt cx="0" cy="0"/>
+        </a:xfrm>
+      </p:grpSpPr>
+      <p:sp>
+        <p:nvSpPr>
+          <p:cNvPr id="2" name="Title 1">
+            <a:extLst>
+              <a:ext uri="{FF2B5EF4-FFF2-40B4-BE49-F238E27FC236}">
+                <a16:creationId xmlns:a16="http://schemas.microsoft.com/office/drawing/2014/main" id="{9CF11931-6D14-41FD-B56D-F1EF77936A58}"/>
+              </a:ext>
+            </a:extLst>
+          </p:cNvPr>
+          <p:cNvSpPr>
+            <a:spLocks noGrp="1"/>
+          </p:cNvSpPr>
+          <p:nvPr>
+            <p:ph type="title"/>
+          </p:nvPr>
+        </p:nvSpPr>
+        <p:spPr/>
+        <p:txBody>
+          <a:bodyPr/>
+          <a:lstStyle/>
+          <a:p>
+            <a:r>
+              <a:rPr lang="en-US" dirty="0" err="1"/>
+              <a:t>AddItem</a:t>
+            </a:r>
+            <a:endParaRPr lang="en-US" dirty="0"/>
+          </a:p>
+        </p:txBody>
+      </p:sp>
+      <p:sp>
+        <p:nvSpPr>
+          <p:cNvPr id="3" name="Content Placeholder 2">
+            <a:extLst>
+              <a:ext uri="{FF2B5EF4-FFF2-40B4-BE49-F238E27FC236}">
+                <a16:creationId xmlns:a16="http://schemas.microsoft.com/office/drawing/2014/main" id="{3FD6FF86-5395-4168-B375-2D5F4FCB3DBD}"/>
+              </a:ext>
+            </a:extLst>
+          </p:cNvPr>
+          <p:cNvSpPr>
+            <a:spLocks noGrp="1"/>
+          </p:cNvSpPr>
+          <p:nvPr>
+            <p:ph idx="1"/>
+          </p:nvPr>
+        </p:nvSpPr>
+        <p:spPr/>
+        <p:txBody>
+          <a:bodyPr/>
+          <a:lstStyle/>
+          <a:p>
+            <a:r>
+              <a:rPr lang="en-US" dirty="0"/>
+              <a:t>This brings up another window with input textboxes.</a:t>
+            </a:r>
+          </a:p>
+        </p:txBody>
+      </p:sp>
+      <p:pic>
+        <p:nvPicPr>
+          <p:cNvPr id="5" name="Picture 4" descr="A screenshot of a cell phone&#10;&#10;Description automatically generated">
+            <a:extLst>
+              <a:ext uri="{FF2B5EF4-FFF2-40B4-BE49-F238E27FC236}">
+                <a16:creationId xmlns:a16="http://schemas.microsoft.com/office/drawing/2014/main" id="{3EF1BB3D-7796-481C-915E-4B67F9F8A1BC}"/>
+              </a:ext>
+            </a:extLst>
+          </p:cNvPr>
+          <p:cNvPicPr>
+            <a:picLocks noChangeAspect="1"/>
+          </p:cNvPicPr>
+          <p:nvPr/>
+        </p:nvPicPr>
+        <p:blipFill>
+          <a:blip r:embed="rId2" cstate="email">
+            <a:extLst>
+              <a:ext uri="{28A0092B-C50C-407E-A947-70E740481C1C}">
+                <a14:useLocalDpi xmlns:a14="http://schemas.microsoft.com/office/drawing/2010/main" val="0"/>
+              </a:ext>
+            </a:extLst>
+          </a:blip>
+          <a:stretch>
+            <a:fillRect/>
+          </a:stretch>
+        </p:blipFill>
+        <p:spPr>
+          <a:xfrm>
+            <a:off x="0" y="3263542"/>
+            <a:ext cx="9144000" cy="2339597"/>
+          </a:xfrm>
+          <a:prstGeom prst="rect">
+            <a:avLst/>
+          </a:prstGeom>
+        </p:spPr>
+      </p:pic>
+    </p:spTree>
+    <p:extLst>
+      <p:ext uri="{BB962C8B-B14F-4D97-AF65-F5344CB8AC3E}">
+        <p14:creationId xmlns:p14="http://schemas.microsoft.com/office/powerpoint/2010/main" val="1175940413"/>
+      </p:ext>
+    </p:extLst>
+  </p:cSld>
+  <p:clrMapOvr>
+    <a:masterClrMapping/>
+  </p:clrMapOvr>
+</p:sld>
+</file>
+
+<file path=ppt/slides/slide6.xml><?xml version="1.0" encoding="utf-8"?>
+<p:sld xmlns:a="http://schemas.openxmlformats.org/drawingml/2006/main" xmlns:r="http://schemas.openxmlformats.org/officeDocument/2006/relationships" xmlns:p="http://schemas.openxmlformats.org/presentationml/2006/main">
+  <p:cSld>
+    <p:spTree>
+      <p:nvGrpSpPr>
+        <p:cNvPr id="1" name=""/>
+        <p:cNvGrpSpPr/>
+        <p:nvPr/>
+      </p:nvGrpSpPr>
+      <p:grpSpPr>
+        <a:xfrm>
+          <a:off x="0" y="0"/>
+          <a:ext cx="0" cy="0"/>
+          <a:chOff x="0" y="0"/>
+          <a:chExt cx="0" cy="0"/>
+        </a:xfrm>
+      </p:grpSpPr>
+      <p:sp>
+        <p:nvSpPr>
+          <p:cNvPr id="2" name="Title 1">
+            <a:extLst>
+              <a:ext uri="{FF2B5EF4-FFF2-40B4-BE49-F238E27FC236}">
+                <a16:creationId xmlns:a16="http://schemas.microsoft.com/office/drawing/2014/main" id="{1B99D4F0-EF0E-4B81-B4CA-FC40DCE06B3E}"/>
+              </a:ext>
+            </a:extLst>
+          </p:cNvPr>
+          <p:cNvSpPr>
+            <a:spLocks noGrp="1"/>
+          </p:cNvSpPr>
+          <p:nvPr>
+            <p:ph type="title"/>
+          </p:nvPr>
+        </p:nvSpPr>
+        <p:spPr/>
+        <p:txBody>
+          <a:bodyPr/>
+          <a:lstStyle/>
+          <a:p>
+            <a:r>
+              <a:rPr lang="en-US" dirty="0" err="1"/>
+              <a:t>EditItem</a:t>
+            </a:r>
+            <a:endParaRPr lang="en-US" dirty="0"/>
+          </a:p>
+        </p:txBody>
+      </p:sp>
+      <p:sp>
+        <p:nvSpPr>
+          <p:cNvPr id="3" name="Content Placeholder 2">
+            <a:extLst>
+              <a:ext uri="{FF2B5EF4-FFF2-40B4-BE49-F238E27FC236}">
+                <a16:creationId xmlns:a16="http://schemas.microsoft.com/office/drawing/2014/main" id="{BE3684BD-517E-48CC-9CEB-0D093DC01498}"/>
+              </a:ext>
+            </a:extLst>
+          </p:cNvPr>
+          <p:cNvSpPr>
+            <a:spLocks noGrp="1"/>
+          </p:cNvSpPr>
+          <p:nvPr>
+            <p:ph idx="1"/>
+          </p:nvPr>
+        </p:nvSpPr>
+        <p:spPr/>
+        <p:txBody>
+          <a:bodyPr/>
+          <a:lstStyle/>
+          <a:p>
+            <a:r>
+              <a:rPr lang="en-US" dirty="0"/>
+              <a:t>This opens another window with existing data in text boxes.</a:t>
+            </a:r>
+          </a:p>
+        </p:txBody>
+      </p:sp>
+      <p:pic>
+        <p:nvPicPr>
+          <p:cNvPr id="5" name="Picture 4" descr="A close up of a screen&#10;&#10;Description automatically generated">
+            <a:extLst>
+              <a:ext uri="{FF2B5EF4-FFF2-40B4-BE49-F238E27FC236}">
+                <a16:creationId xmlns:a16="http://schemas.microsoft.com/office/drawing/2014/main" id="{2C5DF071-BA25-4502-AEC0-E13D92BAC4C1}"/>
+              </a:ext>
+            </a:extLst>
+          </p:cNvPr>
+          <p:cNvPicPr>
+            <a:picLocks noChangeAspect="1"/>
+          </p:cNvPicPr>
+          <p:nvPr/>
+        </p:nvPicPr>
+        <p:blipFill>
+          <a:blip r:embed="rId2">
+            <a:extLst>
+              <a:ext uri="{28A0092B-C50C-407E-A947-70E740481C1C}">
+                <a14:useLocalDpi xmlns:a14="http://schemas.microsoft.com/office/drawing/2010/main" val="0"/>
+              </a:ext>
+            </a:extLst>
+          </a:blip>
+          <a:stretch>
+            <a:fillRect/>
+          </a:stretch>
+        </p:blipFill>
+        <p:spPr>
+          <a:xfrm>
+            <a:off x="151783" y="3267208"/>
+            <a:ext cx="8840434" cy="2572109"/>
+          </a:xfrm>
+          <a:prstGeom prst="rect">
+            <a:avLst/>
+          </a:prstGeom>
+        </p:spPr>
+      </p:pic>
+    </p:spTree>
+    <p:extLst>
+      <p:ext uri="{BB962C8B-B14F-4D97-AF65-F5344CB8AC3E}">
+        <p14:creationId xmlns:p14="http://schemas.microsoft.com/office/powerpoint/2010/main" val="2409076888"/>
+      </p:ext>
+    </p:extLst>
+  </p:cSld>
+  <p:clrMapOvr>
+    <a:masterClrMapping/>
+  </p:clrMapOvr>
+</p:sld>
+</file>
+
+<file path=ppt/slides/slide7.xml><?xml version="1.0" encoding="utf-8"?>
+<p:sld xmlns:a="http://schemas.openxmlformats.org/drawingml/2006/main" xmlns:r="http://schemas.openxmlformats.org/officeDocument/2006/relationships" xmlns:p="http://schemas.openxmlformats.org/presentationml/2006/main">
+  <p:cSld>
+    <p:spTree>
+      <p:nvGrpSpPr>
+        <p:cNvPr id="1" name=""/>
+        <p:cNvGrpSpPr/>
+        <p:nvPr/>
+      </p:nvGrpSpPr>
+      <p:grpSpPr>
+        <a:xfrm>
+          <a:off x="0" y="0"/>
+          <a:ext cx="0" cy="0"/>
+          <a:chOff x="0" y="0"/>
+          <a:chExt cx="0" cy="0"/>
+        </a:xfrm>
+      </p:grpSpPr>
+      <p:sp>
+        <p:nvSpPr>
+          <p:cNvPr id="2" name="Title 1">
+            <a:extLst>
+              <a:ext uri="{FF2B5EF4-FFF2-40B4-BE49-F238E27FC236}">
+                <a16:creationId xmlns:a16="http://schemas.microsoft.com/office/drawing/2014/main" id="{9491E2FC-9706-4881-8C75-8A4CA8340A24}"/>
+              </a:ext>
+            </a:extLst>
+          </p:cNvPr>
+          <p:cNvSpPr>
+            <a:spLocks noGrp="1"/>
+          </p:cNvSpPr>
+          <p:nvPr>
+            <p:ph type="title"/>
+          </p:nvPr>
+        </p:nvSpPr>
+        <p:spPr/>
+        <p:txBody>
+          <a:bodyPr/>
+          <a:lstStyle/>
+          <a:p>
+            <a:r>
+              <a:rPr lang="en-US" dirty="0" err="1"/>
+              <a:t>DeleteItem</a:t>
+            </a:r>
+            <a:endParaRPr lang="en-US" dirty="0"/>
+          </a:p>
+        </p:txBody>
+      </p:sp>
+      <p:sp>
+        <p:nvSpPr>
+          <p:cNvPr id="3" name="Content Placeholder 2">
+            <a:extLst>
+              <a:ext uri="{FF2B5EF4-FFF2-40B4-BE49-F238E27FC236}">
+                <a16:creationId xmlns:a16="http://schemas.microsoft.com/office/drawing/2014/main" id="{AF43DD70-08A9-45F3-B4C5-115B7148AA60}"/>
+              </a:ext>
+            </a:extLst>
+          </p:cNvPr>
+          <p:cNvSpPr>
+            <a:spLocks noGrp="1"/>
+          </p:cNvSpPr>
+          <p:nvPr>
+            <p:ph idx="1"/>
+          </p:nvPr>
+        </p:nvSpPr>
+        <p:spPr/>
+        <p:txBody>
+          <a:bodyPr/>
+          <a:lstStyle/>
+          <a:p>
+            <a:r>
+              <a:rPr lang="en-US" dirty="0"/>
+              <a:t>This deletes the selected Item in on the screen.</a:t>
+            </a:r>
+          </a:p>
+        </p:txBody>
+      </p:sp>
+      <p:pic>
+        <p:nvPicPr>
+          <p:cNvPr id="5" name="Picture 4" descr="A screenshot of a cell phone&#10;&#10;Description automatically generated">
+            <a:extLst>
+              <a:ext uri="{FF2B5EF4-FFF2-40B4-BE49-F238E27FC236}">
+                <a16:creationId xmlns:a16="http://schemas.microsoft.com/office/drawing/2014/main" id="{3AEBD87F-9994-4308-ADD7-BD52FCBB63EB}"/>
+              </a:ext>
+            </a:extLst>
+          </p:cNvPr>
+          <p:cNvPicPr>
+            <a:picLocks noChangeAspect="1"/>
+          </p:cNvPicPr>
+          <p:nvPr/>
+        </p:nvPicPr>
+        <p:blipFill>
+          <a:blip r:embed="rId2" cstate="email">
+            <a:extLst>
+              <a:ext uri="{28A0092B-C50C-407E-A947-70E740481C1C}">
+                <a14:useLocalDpi xmlns:a14="http://schemas.microsoft.com/office/drawing/2010/main" val="0"/>
+              </a:ext>
+            </a:extLst>
+          </a:blip>
+          <a:stretch>
+            <a:fillRect/>
+          </a:stretch>
+        </p:blipFill>
+        <p:spPr>
+          <a:xfrm>
+            <a:off x="0" y="3279603"/>
+            <a:ext cx="9144000" cy="2157573"/>
+          </a:xfrm>
+          <a:prstGeom prst="rect">
+            <a:avLst/>
+          </a:prstGeom>
+        </p:spPr>
+      </p:pic>
+    </p:spTree>
+    <p:extLst>
+      <p:ext uri="{BB962C8B-B14F-4D97-AF65-F5344CB8AC3E}">
+        <p14:creationId xmlns:p14="http://schemas.microsoft.com/office/powerpoint/2010/main" val="3765470706"/>
+      </p:ext>
+    </p:extLst>
+  </p:cSld>
+  <p:clrMapOvr>
+    <a:masterClrMapping/>
+  </p:clrMapOvr>
+</p:sld>
+</file>
+
+<file path=ppt/slides/slide8.xml><?xml version="1.0" encoding="utf-8"?>
+<p:sld xmlns:a="http://schemas.openxmlformats.org/drawingml/2006/main" xmlns:r="http://schemas.openxmlformats.org/officeDocument/2006/relationships" xmlns:p="http://schemas.openxmlformats.org/presentationml/2006/main">
+  <p:cSld>
+    <p:spTree>
+      <p:nvGrpSpPr>
+        <p:cNvPr id="1" name=""/>
+        <p:cNvGrpSpPr/>
+        <p:nvPr/>
+      </p:nvGrpSpPr>
+      <p:grpSpPr>
+        <a:xfrm>
+          <a:off x="0" y="0"/>
+          <a:ext cx="0" cy="0"/>
+          <a:chOff x="0" y="0"/>
+          <a:chExt cx="0" cy="0"/>
+        </a:xfrm>
+      </p:grpSpPr>
+      <p:sp>
+        <p:nvSpPr>
           <p:cNvPr id="2" name="Title 1"/>
           <p:cNvSpPr>
             <a:spLocks noGrp="1"/>
@@ -8104,7 +9107,7 @@
 </p:sld>
 </file>
 
-<file path=ppt/slides/slide5.xml><?xml version="1.0" encoding="utf-8"?>
+<file path=ppt/slides/slide9.xml><?xml version="1.0" encoding="utf-8"?>
 <p:sld xmlns:a="http://schemas.openxmlformats.org/drawingml/2006/main" xmlns:r="http://schemas.openxmlformats.org/officeDocument/2006/relationships" xmlns:p="http://schemas.openxmlformats.org/presentationml/2006/main">
   <p:cSld>
     <p:spTree>
@@ -8229,529 +9232,6 @@
     <p:extLst>
       <p:ext uri="{BB962C8B-B14F-4D97-AF65-F5344CB8AC3E}">
         <p14:creationId xmlns:p14="http://schemas.microsoft.com/office/powerpoint/2010/main" val="3553748820"/>
-      </p:ext>
-    </p:extLst>
-  </p:cSld>
-  <p:clrMapOvr>
-    <a:masterClrMapping/>
-  </p:clrMapOvr>
-</p:sld>
-</file>
-
-<file path=ppt/slides/slide6.xml><?xml version="1.0" encoding="utf-8"?>
-<p:sld xmlns:a="http://schemas.openxmlformats.org/drawingml/2006/main" xmlns:r="http://schemas.openxmlformats.org/officeDocument/2006/relationships" xmlns:p="http://schemas.openxmlformats.org/presentationml/2006/main">
-  <p:cSld>
-    <p:spTree>
-      <p:nvGrpSpPr>
-        <p:cNvPr id="1" name=""/>
-        <p:cNvGrpSpPr/>
-        <p:nvPr/>
-      </p:nvGrpSpPr>
-      <p:grpSpPr>
-        <a:xfrm>
-          <a:off x="0" y="0"/>
-          <a:ext cx="0" cy="0"/>
-          <a:chOff x="0" y="0"/>
-          <a:chExt cx="0" cy="0"/>
-        </a:xfrm>
-      </p:grpSpPr>
-      <p:sp>
-        <p:nvSpPr>
-          <p:cNvPr id="2" name="Title 1"/>
-          <p:cNvSpPr>
-            <a:spLocks noGrp="1"/>
-          </p:cNvSpPr>
-          <p:nvPr>
-            <p:ph type="title"/>
-          </p:nvPr>
-        </p:nvSpPr>
-        <p:spPr/>
-        <p:txBody>
-          <a:bodyPr>
-            <a:normAutofit/>
-          </a:bodyPr>
-          <a:lstStyle/>
-          <a:p>
-            <a:r>
-              <a:rPr lang="en-US" dirty="0" err="1"/>
-              <a:t>CharactersLayout</a:t>
-            </a:r>
-            <a:r>
-              <a:rPr lang="en-US" dirty="0"/>
-              <a:t>: Update</a:t>
-            </a:r>
-            <a:endParaRPr lang="en-US" sz="2000" dirty="0"/>
-          </a:p>
-        </p:txBody>
-      </p:sp>
-      <p:sp>
-        <p:nvSpPr>
-          <p:cNvPr id="7" name="Content Placeholder 6"/>
-          <p:cNvSpPr>
-            <a:spLocks noGrp="1"/>
-          </p:cNvSpPr>
-          <p:nvPr>
-            <p:ph idx="1"/>
-          </p:nvPr>
-        </p:nvSpPr>
-        <p:spPr/>
-        <p:txBody>
-          <a:bodyPr>
-            <a:normAutofit/>
-          </a:bodyPr>
-          <a:lstStyle/>
-          <a:p>
-            <a:r>
-              <a:rPr lang="en-US" dirty="0" err="1"/>
-              <a:t>EditCharacter</a:t>
-            </a:r>
-            <a:r>
-              <a:rPr lang="en-US" dirty="0"/>
-              <a:t> is a class that utilizes the update SQL function. </a:t>
-            </a:r>
-          </a:p>
-          <a:p>
-            <a:r>
-              <a:rPr lang="en-US" dirty="0"/>
-              <a:t>Example: </a:t>
-            </a:r>
-          </a:p>
-          <a:p>
-            <a:endParaRPr lang="en-US" dirty="0"/>
-          </a:p>
-        </p:txBody>
-      </p:sp>
-      <p:pic>
-        <p:nvPicPr>
-          <p:cNvPr id="4" name="Picture 3">
-            <a:extLst>
-              <a:ext uri="{FF2B5EF4-FFF2-40B4-BE49-F238E27FC236}">
-                <a16:creationId xmlns:a16="http://schemas.microsoft.com/office/drawing/2014/main" id="{55CF15DF-0DCE-4107-AD5D-DCCC60CC7D0B}"/>
-              </a:ext>
-            </a:extLst>
-          </p:cNvPr>
-          <p:cNvPicPr>
-            <a:picLocks noChangeAspect="1"/>
-          </p:cNvPicPr>
-          <p:nvPr/>
-        </p:nvPicPr>
-        <p:blipFill>
-          <a:blip r:embed="rId2"/>
-          <a:stretch>
-            <a:fillRect/>
-          </a:stretch>
-        </p:blipFill>
-        <p:spPr>
-          <a:xfrm>
-            <a:off x="615696" y="3642711"/>
-            <a:ext cx="7912608" cy="2746525"/>
-          </a:xfrm>
-          <a:prstGeom prst="rect">
-            <a:avLst/>
-          </a:prstGeom>
-        </p:spPr>
-      </p:pic>
-    </p:spTree>
-    <p:extLst>
-      <p:ext uri="{BB962C8B-B14F-4D97-AF65-F5344CB8AC3E}">
-        <p14:creationId xmlns:p14="http://schemas.microsoft.com/office/powerpoint/2010/main" val="1914038468"/>
-      </p:ext>
-    </p:extLst>
-  </p:cSld>
-  <p:clrMapOvr>
-    <a:masterClrMapping/>
-  </p:clrMapOvr>
-</p:sld>
-</file>
-
-<file path=ppt/slides/slide7.xml><?xml version="1.0" encoding="utf-8"?>
-<p:sld xmlns:a="http://schemas.openxmlformats.org/drawingml/2006/main" xmlns:r="http://schemas.openxmlformats.org/officeDocument/2006/relationships" xmlns:p="http://schemas.openxmlformats.org/presentationml/2006/main">
-  <p:cSld>
-    <p:spTree>
-      <p:nvGrpSpPr>
-        <p:cNvPr id="1" name=""/>
-        <p:cNvGrpSpPr/>
-        <p:nvPr/>
-      </p:nvGrpSpPr>
-      <p:grpSpPr>
-        <a:xfrm>
-          <a:off x="0" y="0"/>
-          <a:ext cx="0" cy="0"/>
-          <a:chOff x="0" y="0"/>
-          <a:chExt cx="0" cy="0"/>
-        </a:xfrm>
-      </p:grpSpPr>
-      <p:sp>
-        <p:nvSpPr>
-          <p:cNvPr id="2" name="Title 1"/>
-          <p:cNvSpPr>
-            <a:spLocks noGrp="1"/>
-          </p:cNvSpPr>
-          <p:nvPr>
-            <p:ph type="title"/>
-          </p:nvPr>
-        </p:nvSpPr>
-        <p:spPr/>
-        <p:txBody>
-          <a:bodyPr>
-            <a:normAutofit/>
-          </a:bodyPr>
-          <a:lstStyle/>
-          <a:p>
-            <a:r>
-              <a:rPr lang="en-US" dirty="0" err="1"/>
-              <a:t>CharactersLayout</a:t>
-            </a:r>
-            <a:r>
-              <a:rPr lang="en-US" dirty="0"/>
-              <a:t>: Delete</a:t>
-            </a:r>
-            <a:endParaRPr lang="en-US" sz="2000" dirty="0"/>
-          </a:p>
-        </p:txBody>
-      </p:sp>
-      <p:sp>
-        <p:nvSpPr>
-          <p:cNvPr id="7" name="Content Placeholder 6"/>
-          <p:cNvSpPr>
-            <a:spLocks noGrp="1"/>
-          </p:cNvSpPr>
-          <p:nvPr>
-            <p:ph idx="1"/>
-          </p:nvPr>
-        </p:nvSpPr>
-        <p:spPr/>
-        <p:txBody>
-          <a:bodyPr>
-            <a:normAutofit/>
-          </a:bodyPr>
-          <a:lstStyle/>
-          <a:p>
-            <a:r>
-              <a:rPr lang="en-US" dirty="0" err="1"/>
-              <a:t>EditCharacter</a:t>
-            </a:r>
-            <a:r>
-              <a:rPr lang="en-US" dirty="0"/>
-              <a:t> is a class that utilizes the delete SQL function. </a:t>
-            </a:r>
-          </a:p>
-          <a:p>
-            <a:r>
-              <a:rPr lang="en-US" dirty="0"/>
-              <a:t>Example: </a:t>
-            </a:r>
-          </a:p>
-          <a:p>
-            <a:endParaRPr lang="en-US" dirty="0"/>
-          </a:p>
-        </p:txBody>
-      </p:sp>
-      <p:pic>
-        <p:nvPicPr>
-          <p:cNvPr id="3" name="Picture 2">
-            <a:extLst>
-              <a:ext uri="{FF2B5EF4-FFF2-40B4-BE49-F238E27FC236}">
-                <a16:creationId xmlns:a16="http://schemas.microsoft.com/office/drawing/2014/main" id="{04997AC3-F684-4FCB-9B83-5F17C0D5E143}"/>
-              </a:ext>
-            </a:extLst>
-          </p:cNvPr>
-          <p:cNvPicPr>
-            <a:picLocks noChangeAspect="1"/>
-          </p:cNvPicPr>
-          <p:nvPr/>
-        </p:nvPicPr>
-        <p:blipFill>
-          <a:blip r:embed="rId2"/>
-          <a:stretch>
-            <a:fillRect/>
-          </a:stretch>
-        </p:blipFill>
-        <p:spPr>
-          <a:xfrm>
-            <a:off x="621792" y="4312010"/>
-            <a:ext cx="7900416" cy="971624"/>
-          </a:xfrm>
-          <a:prstGeom prst="rect">
-            <a:avLst/>
-          </a:prstGeom>
-        </p:spPr>
-      </p:pic>
-    </p:spTree>
-    <p:extLst>
-      <p:ext uri="{BB962C8B-B14F-4D97-AF65-F5344CB8AC3E}">
-        <p14:creationId xmlns:p14="http://schemas.microsoft.com/office/powerpoint/2010/main" val="1680603667"/>
-      </p:ext>
-    </p:extLst>
-  </p:cSld>
-  <p:clrMapOvr>
-    <a:masterClrMapping/>
-  </p:clrMapOvr>
-</p:sld>
-</file>
-
-<file path=ppt/slides/slide8.xml><?xml version="1.0" encoding="utf-8"?>
-<p:sld xmlns:a="http://schemas.openxmlformats.org/drawingml/2006/main" xmlns:r="http://schemas.openxmlformats.org/officeDocument/2006/relationships" xmlns:p="http://schemas.openxmlformats.org/presentationml/2006/main">
-  <p:cSld>
-    <p:spTree>
-      <p:nvGrpSpPr>
-        <p:cNvPr id="1" name=""/>
-        <p:cNvGrpSpPr/>
-        <p:nvPr/>
-      </p:nvGrpSpPr>
-      <p:grpSpPr>
-        <a:xfrm>
-          <a:off x="0" y="0"/>
-          <a:ext cx="0" cy="0"/>
-          <a:chOff x="0" y="0"/>
-          <a:chExt cx="0" cy="0"/>
-        </a:xfrm>
-      </p:grpSpPr>
-      <p:sp>
-        <p:nvSpPr>
-          <p:cNvPr id="2" name="Title 1"/>
-          <p:cNvSpPr>
-            <a:spLocks noGrp="1"/>
-          </p:cNvSpPr>
-          <p:nvPr>
-            <p:ph type="title"/>
-          </p:nvPr>
-        </p:nvSpPr>
-        <p:spPr/>
-        <p:txBody>
-          <a:bodyPr>
-            <a:normAutofit/>
-          </a:bodyPr>
-          <a:lstStyle/>
-          <a:p>
-            <a:r>
-              <a:rPr lang="en-US" dirty="0" err="1"/>
-              <a:t>CharactersLayout</a:t>
-            </a:r>
-            <a:r>
-              <a:rPr lang="en-US" dirty="0"/>
-              <a:t>: Select</a:t>
-            </a:r>
-            <a:endParaRPr lang="en-US" sz="2000" dirty="0"/>
-          </a:p>
-        </p:txBody>
-      </p:sp>
-      <p:sp>
-        <p:nvSpPr>
-          <p:cNvPr id="7" name="Content Placeholder 6"/>
-          <p:cNvSpPr>
-            <a:spLocks noGrp="1"/>
-          </p:cNvSpPr>
-          <p:nvPr>
-            <p:ph idx="1"/>
-          </p:nvPr>
-        </p:nvSpPr>
-        <p:spPr/>
-        <p:txBody>
-          <a:bodyPr>
-            <a:normAutofit/>
-          </a:bodyPr>
-          <a:lstStyle/>
-          <a:p>
-            <a:r>
-              <a:rPr lang="en-US" dirty="0" err="1"/>
-              <a:t>genCharactersPanel</a:t>
-            </a:r>
-            <a:r>
-              <a:rPr lang="en-US" dirty="0"/>
-              <a:t> and </a:t>
-            </a:r>
-            <a:r>
-              <a:rPr lang="en-US" dirty="0" err="1"/>
-              <a:t>genStatsPanel</a:t>
-            </a:r>
-            <a:r>
-              <a:rPr lang="en-US" dirty="0"/>
-              <a:t> are two functions inside the </a:t>
-            </a:r>
-            <a:r>
-              <a:rPr lang="en-US" dirty="0" err="1"/>
-              <a:t>CharactersLayout</a:t>
-            </a:r>
-            <a:r>
-              <a:rPr lang="en-US" dirty="0"/>
-              <a:t> class that utilizes the select statements frequently. </a:t>
-            </a:r>
-          </a:p>
-          <a:p>
-            <a:r>
-              <a:rPr lang="en-US" dirty="0" err="1"/>
-              <a:t>genCharactersPanel</a:t>
-            </a:r>
-            <a:r>
-              <a:rPr lang="en-US" dirty="0"/>
-              <a:t> a stored procedure that looks like this: </a:t>
-            </a:r>
-          </a:p>
-          <a:p>
-            <a:endParaRPr lang="en-US" dirty="0"/>
-          </a:p>
-        </p:txBody>
-      </p:sp>
-      <p:pic>
-        <p:nvPicPr>
-          <p:cNvPr id="6" name="Picture 5">
-            <a:extLst>
-              <a:ext uri="{FF2B5EF4-FFF2-40B4-BE49-F238E27FC236}">
-                <a16:creationId xmlns:a16="http://schemas.microsoft.com/office/drawing/2014/main" id="{C15A78DF-27D0-4860-8A7D-708BEA0CE78C}"/>
-              </a:ext>
-            </a:extLst>
-          </p:cNvPr>
-          <p:cNvPicPr>
-            <a:picLocks noChangeAspect="1"/>
-          </p:cNvPicPr>
-          <p:nvPr/>
-        </p:nvPicPr>
-        <p:blipFill>
-          <a:blip r:embed="rId2"/>
-          <a:stretch>
-            <a:fillRect/>
-          </a:stretch>
-        </p:blipFill>
-        <p:spPr>
-          <a:xfrm>
-            <a:off x="450056" y="4681078"/>
-            <a:ext cx="8243887" cy="331523"/>
-          </a:xfrm>
-          <a:prstGeom prst="rect">
-            <a:avLst/>
-          </a:prstGeom>
-        </p:spPr>
-      </p:pic>
-    </p:spTree>
-    <p:extLst>
-      <p:ext uri="{BB962C8B-B14F-4D97-AF65-F5344CB8AC3E}">
-        <p14:creationId xmlns:p14="http://schemas.microsoft.com/office/powerpoint/2010/main" val="3512558754"/>
-      </p:ext>
-    </p:extLst>
-  </p:cSld>
-  <p:clrMapOvr>
-    <a:masterClrMapping/>
-  </p:clrMapOvr>
-</p:sld>
-</file>
-
-<file path=ppt/slides/slide9.xml><?xml version="1.0" encoding="utf-8"?>
-<p:sld xmlns:a="http://schemas.openxmlformats.org/drawingml/2006/main" xmlns:r="http://schemas.openxmlformats.org/officeDocument/2006/relationships" xmlns:p="http://schemas.openxmlformats.org/presentationml/2006/main">
-  <p:cSld>
-    <p:spTree>
-      <p:nvGrpSpPr>
-        <p:cNvPr id="1" name=""/>
-        <p:cNvGrpSpPr/>
-        <p:nvPr/>
-      </p:nvGrpSpPr>
-      <p:grpSpPr>
-        <a:xfrm>
-          <a:off x="0" y="0"/>
-          <a:ext cx="0" cy="0"/>
-          <a:chOff x="0" y="0"/>
-          <a:chExt cx="0" cy="0"/>
-        </a:xfrm>
-      </p:grpSpPr>
-      <p:sp>
-        <p:nvSpPr>
-          <p:cNvPr id="2" name="Title 1"/>
-          <p:cNvSpPr>
-            <a:spLocks noGrp="1"/>
-          </p:cNvSpPr>
-          <p:nvPr>
-            <p:ph type="title"/>
-          </p:nvPr>
-        </p:nvSpPr>
-        <p:spPr/>
-        <p:txBody>
-          <a:bodyPr>
-            <a:normAutofit/>
-          </a:bodyPr>
-          <a:lstStyle/>
-          <a:p>
-            <a:r>
-              <a:rPr lang="en-US" dirty="0" err="1"/>
-              <a:t>CharactersLayout</a:t>
-            </a:r>
-            <a:r>
-              <a:rPr lang="en-US" dirty="0"/>
-              <a:t>: Select</a:t>
-            </a:r>
-            <a:endParaRPr lang="en-US" sz="2000" dirty="0"/>
-          </a:p>
-        </p:txBody>
-      </p:sp>
-      <p:sp>
-        <p:nvSpPr>
-          <p:cNvPr id="7" name="Content Placeholder 6"/>
-          <p:cNvSpPr>
-            <a:spLocks noGrp="1"/>
-          </p:cNvSpPr>
-          <p:nvPr>
-            <p:ph idx="1"/>
-          </p:nvPr>
-        </p:nvSpPr>
-        <p:spPr>
-          <a:xfrm>
-            <a:off x="631888" y="1975105"/>
-            <a:ext cx="7345363" cy="3931920"/>
-          </a:xfrm>
-        </p:spPr>
-        <p:txBody>
-          <a:bodyPr>
-            <a:normAutofit/>
-          </a:bodyPr>
-          <a:lstStyle/>
-          <a:p>
-            <a:r>
-              <a:rPr lang="en-US" dirty="0" err="1"/>
-              <a:t>genStatsPanel</a:t>
-            </a:r>
-            <a:r>
-              <a:rPr lang="en-US" dirty="0"/>
-              <a:t> calls this function to retrieve all of its stats: </a:t>
-            </a:r>
-          </a:p>
-          <a:p>
-            <a:endParaRPr lang="en-US" dirty="0"/>
-          </a:p>
-        </p:txBody>
-      </p:sp>
-      <p:pic>
-        <p:nvPicPr>
-          <p:cNvPr id="3" name="Picture 2">
-            <a:extLst>
-              <a:ext uri="{FF2B5EF4-FFF2-40B4-BE49-F238E27FC236}">
-                <a16:creationId xmlns:a16="http://schemas.microsoft.com/office/drawing/2014/main" id="{158494F6-3428-4E0F-8EEA-2F0A64AE35A3}"/>
-              </a:ext>
-            </a:extLst>
-          </p:cNvPr>
-          <p:cNvPicPr>
-            <a:picLocks noChangeAspect="1"/>
-          </p:cNvPicPr>
-          <p:nvPr/>
-        </p:nvPicPr>
-        <p:blipFill>
-          <a:blip r:embed="rId2"/>
-          <a:stretch>
-            <a:fillRect/>
-          </a:stretch>
-        </p:blipFill>
-        <p:spPr>
-          <a:xfrm>
-            <a:off x="1901808" y="2456293"/>
-            <a:ext cx="6474095" cy="4035629"/>
-          </a:xfrm>
-          <a:prstGeom prst="rect">
-            <a:avLst/>
-          </a:prstGeom>
-        </p:spPr>
-      </p:pic>
-    </p:spTree>
-    <p:extLst>
-      <p:ext uri="{BB962C8B-B14F-4D97-AF65-F5344CB8AC3E}">
-        <p14:creationId xmlns:p14="http://schemas.microsoft.com/office/powerpoint/2010/main" val="2731855635"/>
       </p:ext>
     </p:extLst>
   </p:cSld>

--- a/Presentation.pptx
+++ b/Presentation.pptx
@@ -18,7 +18,12 @@
     <p:sldId id="264" r:id="rId12"/>
     <p:sldId id="265" r:id="rId13"/>
     <p:sldId id="266" r:id="rId14"/>
-    <p:sldId id="261" r:id="rId15"/>
+    <p:sldId id="271" r:id="rId15"/>
+    <p:sldId id="272" r:id="rId16"/>
+    <p:sldId id="273" r:id="rId17"/>
+    <p:sldId id="274" r:id="rId18"/>
+    <p:sldId id="275" r:id="rId19"/>
+    <p:sldId id="261" r:id="rId20"/>
   </p:sldIdLst>
   <p:sldSz cx="9144000" cy="6858000" type="screen4x3"/>
   <p:notesSz cx="6858000" cy="9144000"/>
@@ -8157,6 +8162,732 @@
       </p:grpSpPr>
       <p:sp>
         <p:nvSpPr>
+          <p:cNvPr id="2" name="Title 1">
+            <a:extLst>
+              <a:ext uri="{FF2B5EF4-FFF2-40B4-BE49-F238E27FC236}">
+                <a16:creationId xmlns:a16="http://schemas.microsoft.com/office/drawing/2014/main" id="{6E2EAB31-7AD5-4A44-8D15-FD41F9248BF6}"/>
+              </a:ext>
+            </a:extLst>
+          </p:cNvPr>
+          <p:cNvSpPr>
+            <a:spLocks noGrp="1"/>
+          </p:cNvSpPr>
+          <p:nvPr>
+            <p:ph type="title"/>
+          </p:nvPr>
+        </p:nvSpPr>
+        <p:spPr/>
+        <p:txBody>
+          <a:bodyPr/>
+          <a:lstStyle/>
+          <a:p>
+            <a:r>
+              <a:rPr lang="en-US" dirty="0"/>
+              <a:t>Location Layout</a:t>
+            </a:r>
+          </a:p>
+        </p:txBody>
+      </p:sp>
+      <p:sp>
+        <p:nvSpPr>
+          <p:cNvPr id="3" name="Content Placeholder 2">
+            <a:extLst>
+              <a:ext uri="{FF2B5EF4-FFF2-40B4-BE49-F238E27FC236}">
+                <a16:creationId xmlns:a16="http://schemas.microsoft.com/office/drawing/2014/main" id="{C7D09FF3-4527-4BDE-93DD-9DC55469FDB5}"/>
+              </a:ext>
+            </a:extLst>
+          </p:cNvPr>
+          <p:cNvSpPr>
+            <a:spLocks noGrp="1"/>
+          </p:cNvSpPr>
+          <p:nvPr>
+            <p:ph idx="1"/>
+          </p:nvPr>
+        </p:nvSpPr>
+        <p:spPr/>
+        <p:txBody>
+          <a:bodyPr/>
+          <a:lstStyle/>
+          <a:p>
+            <a:r>
+              <a:rPr lang="en-US" dirty="0"/>
+              <a:t>Location Layout displays a list of location IDs and the contents held within them.</a:t>
+            </a:r>
+          </a:p>
+          <a:p>
+            <a:r>
+              <a:rPr lang="en-US" dirty="0"/>
+              <a:t>It can add, edit and delete items and creatures from locations.</a:t>
+            </a:r>
+          </a:p>
+        </p:txBody>
+      </p:sp>
+    </p:spTree>
+    <p:extLst>
+      <p:ext uri="{BB962C8B-B14F-4D97-AF65-F5344CB8AC3E}">
+        <p14:creationId xmlns:p14="http://schemas.microsoft.com/office/powerpoint/2010/main" val="2548028898"/>
+      </p:ext>
+    </p:extLst>
+  </p:cSld>
+  <p:clrMapOvr>
+    <a:masterClrMapping/>
+  </p:clrMapOvr>
+</p:sld>
+</file>
+
+<file path=ppt/slides/slide15.xml><?xml version="1.0" encoding="utf-8"?>
+<p:sld xmlns:a="http://schemas.openxmlformats.org/drawingml/2006/main" xmlns:r="http://schemas.openxmlformats.org/officeDocument/2006/relationships" xmlns:p="http://schemas.openxmlformats.org/presentationml/2006/main">
+  <p:cSld>
+    <p:spTree>
+      <p:nvGrpSpPr>
+        <p:cNvPr id="1" name=""/>
+        <p:cNvGrpSpPr/>
+        <p:nvPr/>
+      </p:nvGrpSpPr>
+      <p:grpSpPr>
+        <a:xfrm>
+          <a:off x="0" y="0"/>
+          <a:ext cx="0" cy="0"/>
+          <a:chOff x="0" y="0"/>
+          <a:chExt cx="0" cy="0"/>
+        </a:xfrm>
+      </p:grpSpPr>
+      <p:sp>
+        <p:nvSpPr>
+          <p:cNvPr id="2" name="Title 1">
+            <a:extLst>
+              <a:ext uri="{FF2B5EF4-FFF2-40B4-BE49-F238E27FC236}">
+                <a16:creationId xmlns:a16="http://schemas.microsoft.com/office/drawing/2014/main" id="{6E2EAB31-7AD5-4A44-8D15-FD41F9248BF6}"/>
+              </a:ext>
+            </a:extLst>
+          </p:cNvPr>
+          <p:cNvSpPr>
+            <a:spLocks noGrp="1"/>
+          </p:cNvSpPr>
+          <p:nvPr>
+            <p:ph type="title"/>
+          </p:nvPr>
+        </p:nvSpPr>
+        <p:spPr/>
+        <p:txBody>
+          <a:bodyPr/>
+          <a:lstStyle/>
+          <a:p>
+            <a:r>
+              <a:rPr lang="en-US" dirty="0"/>
+              <a:t>Location Layout: Insert</a:t>
+            </a:r>
+          </a:p>
+        </p:txBody>
+      </p:sp>
+      <p:sp>
+        <p:nvSpPr>
+          <p:cNvPr id="3" name="Content Placeholder 2">
+            <a:extLst>
+              <a:ext uri="{FF2B5EF4-FFF2-40B4-BE49-F238E27FC236}">
+                <a16:creationId xmlns:a16="http://schemas.microsoft.com/office/drawing/2014/main" id="{C7D09FF3-4527-4BDE-93DD-9DC55469FDB5}"/>
+              </a:ext>
+            </a:extLst>
+          </p:cNvPr>
+          <p:cNvSpPr>
+            <a:spLocks noGrp="1"/>
+          </p:cNvSpPr>
+          <p:nvPr>
+            <p:ph idx="1"/>
+          </p:nvPr>
+        </p:nvSpPr>
+        <p:spPr/>
+        <p:txBody>
+          <a:bodyPr/>
+          <a:lstStyle/>
+          <a:p>
+            <a:r>
+              <a:rPr lang="en-US" dirty="0"/>
+              <a:t>Location Layout uses classes </a:t>
+            </a:r>
+            <a:r>
+              <a:rPr lang="en-US" dirty="0" err="1"/>
+              <a:t>AddItem</a:t>
+            </a:r>
+            <a:r>
+              <a:rPr lang="en-US" dirty="0"/>
+              <a:t> and </a:t>
+            </a:r>
+            <a:r>
+              <a:rPr lang="en-US" dirty="0" err="1"/>
+              <a:t>AddCreature</a:t>
+            </a:r>
+            <a:r>
+              <a:rPr lang="en-US" dirty="0"/>
+              <a:t> to insert data.</a:t>
+            </a:r>
+          </a:p>
+          <a:p>
+            <a:endParaRPr lang="en-US" dirty="0"/>
+          </a:p>
+        </p:txBody>
+      </p:sp>
+      <p:pic>
+        <p:nvPicPr>
+          <p:cNvPr id="5" name="Picture 4">
+            <a:extLst>
+              <a:ext uri="{FF2B5EF4-FFF2-40B4-BE49-F238E27FC236}">
+                <a16:creationId xmlns:a16="http://schemas.microsoft.com/office/drawing/2014/main" id="{43E49804-DCBD-4E5D-A304-4FA6EB53DDE4}"/>
+              </a:ext>
+            </a:extLst>
+          </p:cNvPr>
+          <p:cNvPicPr>
+            <a:picLocks noChangeAspect="1"/>
+          </p:cNvPicPr>
+          <p:nvPr/>
+        </p:nvPicPr>
+        <p:blipFill>
+          <a:blip r:embed="rId2"/>
+          <a:stretch>
+            <a:fillRect/>
+          </a:stretch>
+        </p:blipFill>
+        <p:spPr>
+          <a:xfrm>
+            <a:off x="693689" y="3429000"/>
+            <a:ext cx="8063631" cy="882641"/>
+          </a:xfrm>
+          <a:prstGeom prst="rect">
+            <a:avLst/>
+          </a:prstGeom>
+        </p:spPr>
+      </p:pic>
+    </p:spTree>
+    <p:extLst>
+      <p:ext uri="{BB962C8B-B14F-4D97-AF65-F5344CB8AC3E}">
+        <p14:creationId xmlns:p14="http://schemas.microsoft.com/office/powerpoint/2010/main" val="1966857329"/>
+      </p:ext>
+    </p:extLst>
+  </p:cSld>
+  <p:clrMapOvr>
+    <a:masterClrMapping/>
+  </p:clrMapOvr>
+</p:sld>
+</file>
+
+<file path=ppt/slides/slide16.xml><?xml version="1.0" encoding="utf-8"?>
+<p:sld xmlns:a="http://schemas.openxmlformats.org/drawingml/2006/main" xmlns:r="http://schemas.openxmlformats.org/officeDocument/2006/relationships" xmlns:p="http://schemas.openxmlformats.org/presentationml/2006/main">
+  <p:cSld>
+    <p:spTree>
+      <p:nvGrpSpPr>
+        <p:cNvPr id="1" name=""/>
+        <p:cNvGrpSpPr/>
+        <p:nvPr/>
+      </p:nvGrpSpPr>
+      <p:grpSpPr>
+        <a:xfrm>
+          <a:off x="0" y="0"/>
+          <a:ext cx="0" cy="0"/>
+          <a:chOff x="0" y="0"/>
+          <a:chExt cx="0" cy="0"/>
+        </a:xfrm>
+      </p:grpSpPr>
+      <p:sp>
+        <p:nvSpPr>
+          <p:cNvPr id="2" name="Title 1">
+            <a:extLst>
+              <a:ext uri="{FF2B5EF4-FFF2-40B4-BE49-F238E27FC236}">
+                <a16:creationId xmlns:a16="http://schemas.microsoft.com/office/drawing/2014/main" id="{6E2EAB31-7AD5-4A44-8D15-FD41F9248BF6}"/>
+              </a:ext>
+            </a:extLst>
+          </p:cNvPr>
+          <p:cNvSpPr>
+            <a:spLocks noGrp="1"/>
+          </p:cNvSpPr>
+          <p:nvPr>
+            <p:ph type="title"/>
+          </p:nvPr>
+        </p:nvSpPr>
+        <p:spPr/>
+        <p:txBody>
+          <a:bodyPr/>
+          <a:lstStyle/>
+          <a:p>
+            <a:r>
+              <a:rPr lang="en-US" dirty="0"/>
+              <a:t>Location Layout: Update</a:t>
+            </a:r>
+          </a:p>
+        </p:txBody>
+      </p:sp>
+      <p:sp>
+        <p:nvSpPr>
+          <p:cNvPr id="3" name="Content Placeholder 2">
+            <a:extLst>
+              <a:ext uri="{FF2B5EF4-FFF2-40B4-BE49-F238E27FC236}">
+                <a16:creationId xmlns:a16="http://schemas.microsoft.com/office/drawing/2014/main" id="{C7D09FF3-4527-4BDE-93DD-9DC55469FDB5}"/>
+              </a:ext>
+            </a:extLst>
+          </p:cNvPr>
+          <p:cNvSpPr>
+            <a:spLocks noGrp="1"/>
+          </p:cNvSpPr>
+          <p:nvPr>
+            <p:ph idx="1"/>
+          </p:nvPr>
+        </p:nvSpPr>
+        <p:spPr/>
+        <p:txBody>
+          <a:bodyPr/>
+          <a:lstStyle/>
+          <a:p>
+            <a:r>
+              <a:rPr lang="en-US" dirty="0" err="1"/>
+              <a:t>LocationLayout</a:t>
+            </a:r>
+            <a:r>
+              <a:rPr lang="en-US" dirty="0"/>
+              <a:t> uses classes </a:t>
+            </a:r>
+            <a:r>
+              <a:rPr lang="en-US" dirty="0" err="1"/>
+              <a:t>editItem</a:t>
+            </a:r>
+            <a:r>
+              <a:rPr lang="en-US" dirty="0"/>
+              <a:t> and </a:t>
+            </a:r>
+            <a:r>
+              <a:rPr lang="en-US" dirty="0" err="1"/>
+              <a:t>editCreature</a:t>
+            </a:r>
+            <a:r>
+              <a:rPr lang="en-US" dirty="0"/>
+              <a:t> to update data.</a:t>
+            </a:r>
+          </a:p>
+          <a:p>
+            <a:endParaRPr lang="en-US" dirty="0"/>
+          </a:p>
+        </p:txBody>
+      </p:sp>
+      <p:pic>
+        <p:nvPicPr>
+          <p:cNvPr id="4" name="Picture 3">
+            <a:extLst>
+              <a:ext uri="{FF2B5EF4-FFF2-40B4-BE49-F238E27FC236}">
+                <a16:creationId xmlns:a16="http://schemas.microsoft.com/office/drawing/2014/main" id="{4DB82E36-8822-459A-BD0B-B70E12F5E72E}"/>
+              </a:ext>
+            </a:extLst>
+          </p:cNvPr>
+          <p:cNvPicPr>
+            <a:picLocks noChangeAspect="1"/>
+          </p:cNvPicPr>
+          <p:nvPr/>
+        </p:nvPicPr>
+        <p:blipFill>
+          <a:blip r:embed="rId2"/>
+          <a:stretch>
+            <a:fillRect/>
+          </a:stretch>
+        </p:blipFill>
+        <p:spPr>
+          <a:xfrm>
+            <a:off x="362941" y="3686076"/>
+            <a:ext cx="8418117" cy="826969"/>
+          </a:xfrm>
+          <a:prstGeom prst="rect">
+            <a:avLst/>
+          </a:prstGeom>
+        </p:spPr>
+      </p:pic>
+      <p:pic>
+        <p:nvPicPr>
+          <p:cNvPr id="6" name="Picture 5">
+            <a:extLst>
+              <a:ext uri="{FF2B5EF4-FFF2-40B4-BE49-F238E27FC236}">
+                <a16:creationId xmlns:a16="http://schemas.microsoft.com/office/drawing/2014/main" id="{25887134-A9A1-400D-B93C-144390F431BC}"/>
+              </a:ext>
+            </a:extLst>
+          </p:cNvPr>
+          <p:cNvPicPr>
+            <a:picLocks noChangeAspect="1"/>
+          </p:cNvPicPr>
+          <p:nvPr/>
+        </p:nvPicPr>
+        <p:blipFill>
+          <a:blip r:embed="rId3"/>
+          <a:stretch>
+            <a:fillRect/>
+          </a:stretch>
+        </p:blipFill>
+        <p:spPr>
+          <a:xfrm>
+            <a:off x="2195181" y="3228947"/>
+            <a:ext cx="4753638" cy="400106"/>
+          </a:xfrm>
+          <a:prstGeom prst="rect">
+            <a:avLst/>
+          </a:prstGeom>
+        </p:spPr>
+      </p:pic>
+    </p:spTree>
+    <p:extLst>
+      <p:ext uri="{BB962C8B-B14F-4D97-AF65-F5344CB8AC3E}">
+        <p14:creationId xmlns:p14="http://schemas.microsoft.com/office/powerpoint/2010/main" val="2421814029"/>
+      </p:ext>
+    </p:extLst>
+  </p:cSld>
+  <p:clrMapOvr>
+    <a:masterClrMapping/>
+  </p:clrMapOvr>
+</p:sld>
+</file>
+
+<file path=ppt/slides/slide17.xml><?xml version="1.0" encoding="utf-8"?>
+<p:sld xmlns:a="http://schemas.openxmlformats.org/drawingml/2006/main" xmlns:r="http://schemas.openxmlformats.org/officeDocument/2006/relationships" xmlns:p="http://schemas.openxmlformats.org/presentationml/2006/main">
+  <p:cSld>
+    <p:spTree>
+      <p:nvGrpSpPr>
+        <p:cNvPr id="1" name=""/>
+        <p:cNvGrpSpPr/>
+        <p:nvPr/>
+      </p:nvGrpSpPr>
+      <p:grpSpPr>
+        <a:xfrm>
+          <a:off x="0" y="0"/>
+          <a:ext cx="0" cy="0"/>
+          <a:chOff x="0" y="0"/>
+          <a:chExt cx="0" cy="0"/>
+        </a:xfrm>
+      </p:grpSpPr>
+      <p:sp>
+        <p:nvSpPr>
+          <p:cNvPr id="2" name="Title 1">
+            <a:extLst>
+              <a:ext uri="{FF2B5EF4-FFF2-40B4-BE49-F238E27FC236}">
+                <a16:creationId xmlns:a16="http://schemas.microsoft.com/office/drawing/2014/main" id="{6E2EAB31-7AD5-4A44-8D15-FD41F9248BF6}"/>
+              </a:ext>
+            </a:extLst>
+          </p:cNvPr>
+          <p:cNvSpPr>
+            <a:spLocks noGrp="1"/>
+          </p:cNvSpPr>
+          <p:nvPr>
+            <p:ph type="title"/>
+          </p:nvPr>
+        </p:nvSpPr>
+        <p:spPr/>
+        <p:txBody>
+          <a:bodyPr/>
+          <a:lstStyle/>
+          <a:p>
+            <a:r>
+              <a:rPr lang="en-US" dirty="0"/>
+              <a:t>Location Layout: Delete</a:t>
+            </a:r>
+          </a:p>
+        </p:txBody>
+      </p:sp>
+      <p:sp>
+        <p:nvSpPr>
+          <p:cNvPr id="3" name="Content Placeholder 2">
+            <a:extLst>
+              <a:ext uri="{FF2B5EF4-FFF2-40B4-BE49-F238E27FC236}">
+                <a16:creationId xmlns:a16="http://schemas.microsoft.com/office/drawing/2014/main" id="{C7D09FF3-4527-4BDE-93DD-9DC55469FDB5}"/>
+              </a:ext>
+            </a:extLst>
+          </p:cNvPr>
+          <p:cNvSpPr>
+            <a:spLocks noGrp="1"/>
+          </p:cNvSpPr>
+          <p:nvPr>
+            <p:ph idx="1"/>
+          </p:nvPr>
+        </p:nvSpPr>
+        <p:spPr/>
+        <p:txBody>
+          <a:bodyPr/>
+          <a:lstStyle/>
+          <a:p>
+            <a:r>
+              <a:rPr lang="en-US" dirty="0" err="1"/>
+              <a:t>LocationLayout</a:t>
+            </a:r>
+            <a:r>
+              <a:rPr lang="en-US" dirty="0"/>
+              <a:t> can delete items and creatures using their ID.</a:t>
+            </a:r>
+          </a:p>
+        </p:txBody>
+      </p:sp>
+      <p:pic>
+        <p:nvPicPr>
+          <p:cNvPr id="6" name="Picture 5">
+            <a:extLst>
+              <a:ext uri="{FF2B5EF4-FFF2-40B4-BE49-F238E27FC236}">
+                <a16:creationId xmlns:a16="http://schemas.microsoft.com/office/drawing/2014/main" id="{25887134-A9A1-400D-B93C-144390F431BC}"/>
+              </a:ext>
+            </a:extLst>
+          </p:cNvPr>
+          <p:cNvPicPr>
+            <a:picLocks noChangeAspect="1"/>
+          </p:cNvPicPr>
+          <p:nvPr/>
+        </p:nvPicPr>
+        <p:blipFill>
+          <a:blip r:embed="rId2"/>
+          <a:stretch>
+            <a:fillRect/>
+          </a:stretch>
+        </p:blipFill>
+        <p:spPr>
+          <a:xfrm>
+            <a:off x="464362" y="3480130"/>
+            <a:ext cx="8215276" cy="691466"/>
+          </a:xfrm>
+          <a:prstGeom prst="rect">
+            <a:avLst/>
+          </a:prstGeom>
+        </p:spPr>
+      </p:pic>
+      <p:pic>
+        <p:nvPicPr>
+          <p:cNvPr id="5" name="Picture 4">
+            <a:extLst>
+              <a:ext uri="{FF2B5EF4-FFF2-40B4-BE49-F238E27FC236}">
+                <a16:creationId xmlns:a16="http://schemas.microsoft.com/office/drawing/2014/main" id="{1513B41B-1676-46DE-98B0-BEF1EC001E4A}"/>
+              </a:ext>
+            </a:extLst>
+          </p:cNvPr>
+          <p:cNvPicPr>
+            <a:picLocks noChangeAspect="1"/>
+          </p:cNvPicPr>
+          <p:nvPr/>
+        </p:nvPicPr>
+        <p:blipFill>
+          <a:blip r:embed="rId3"/>
+          <a:stretch>
+            <a:fillRect/>
+          </a:stretch>
+        </p:blipFill>
+        <p:spPr>
+          <a:xfrm>
+            <a:off x="464362" y="4436453"/>
+            <a:ext cx="8215276" cy="643455"/>
+          </a:xfrm>
+          <a:prstGeom prst="rect">
+            <a:avLst/>
+          </a:prstGeom>
+        </p:spPr>
+      </p:pic>
+    </p:spTree>
+    <p:extLst>
+      <p:ext uri="{BB962C8B-B14F-4D97-AF65-F5344CB8AC3E}">
+        <p14:creationId xmlns:p14="http://schemas.microsoft.com/office/powerpoint/2010/main" val="3066333644"/>
+      </p:ext>
+    </p:extLst>
+  </p:cSld>
+  <p:clrMapOvr>
+    <a:masterClrMapping/>
+  </p:clrMapOvr>
+</p:sld>
+</file>
+
+<file path=ppt/slides/slide18.xml><?xml version="1.0" encoding="utf-8"?>
+<p:sld xmlns:a="http://schemas.openxmlformats.org/drawingml/2006/main" xmlns:r="http://schemas.openxmlformats.org/officeDocument/2006/relationships" xmlns:p="http://schemas.openxmlformats.org/presentationml/2006/main">
+  <p:cSld>
+    <p:spTree>
+      <p:nvGrpSpPr>
+        <p:cNvPr id="1" name=""/>
+        <p:cNvGrpSpPr/>
+        <p:nvPr/>
+      </p:nvGrpSpPr>
+      <p:grpSpPr>
+        <a:xfrm>
+          <a:off x="0" y="0"/>
+          <a:ext cx="0" cy="0"/>
+          <a:chOff x="0" y="0"/>
+          <a:chExt cx="0" cy="0"/>
+        </a:xfrm>
+      </p:grpSpPr>
+      <p:sp>
+        <p:nvSpPr>
+          <p:cNvPr id="2" name="Title 1">
+            <a:extLst>
+              <a:ext uri="{FF2B5EF4-FFF2-40B4-BE49-F238E27FC236}">
+                <a16:creationId xmlns:a16="http://schemas.microsoft.com/office/drawing/2014/main" id="{6E2EAB31-7AD5-4A44-8D15-FD41F9248BF6}"/>
+              </a:ext>
+            </a:extLst>
+          </p:cNvPr>
+          <p:cNvSpPr>
+            <a:spLocks noGrp="1"/>
+          </p:cNvSpPr>
+          <p:nvPr>
+            <p:ph type="title"/>
+          </p:nvPr>
+        </p:nvSpPr>
+        <p:spPr/>
+        <p:txBody>
+          <a:bodyPr/>
+          <a:lstStyle/>
+          <a:p>
+            <a:r>
+              <a:rPr lang="en-US" dirty="0"/>
+              <a:t>Location Layout: Select</a:t>
+            </a:r>
+          </a:p>
+        </p:txBody>
+      </p:sp>
+      <p:sp>
+        <p:nvSpPr>
+          <p:cNvPr id="3" name="Content Placeholder 2">
+            <a:extLst>
+              <a:ext uri="{FF2B5EF4-FFF2-40B4-BE49-F238E27FC236}">
+                <a16:creationId xmlns:a16="http://schemas.microsoft.com/office/drawing/2014/main" id="{C7D09FF3-4527-4BDE-93DD-9DC55469FDB5}"/>
+              </a:ext>
+            </a:extLst>
+          </p:cNvPr>
+          <p:cNvSpPr>
+            <a:spLocks noGrp="1"/>
+          </p:cNvSpPr>
+          <p:nvPr>
+            <p:ph idx="1"/>
+          </p:nvPr>
+        </p:nvSpPr>
+        <p:spPr/>
+        <p:txBody>
+          <a:bodyPr/>
+          <a:lstStyle/>
+          <a:p>
+            <a:r>
+              <a:rPr lang="en-US" dirty="0" err="1"/>
+              <a:t>LocationLayout</a:t>
+            </a:r>
+            <a:r>
+              <a:rPr lang="en-US" dirty="0"/>
+              <a:t> uses SQL select statements to fill out the lists of items and locations. To get the list of locations it uses a stored procedure</a:t>
+            </a:r>
+          </a:p>
+        </p:txBody>
+      </p:sp>
+      <p:pic>
+        <p:nvPicPr>
+          <p:cNvPr id="4" name="Picture 3">
+            <a:extLst>
+              <a:ext uri="{FF2B5EF4-FFF2-40B4-BE49-F238E27FC236}">
+                <a16:creationId xmlns:a16="http://schemas.microsoft.com/office/drawing/2014/main" id="{8858F66A-C370-464B-A483-63647F141046}"/>
+              </a:ext>
+            </a:extLst>
+          </p:cNvPr>
+          <p:cNvPicPr>
+            <a:picLocks noChangeAspect="1"/>
+          </p:cNvPicPr>
+          <p:nvPr/>
+        </p:nvPicPr>
+        <p:blipFill>
+          <a:blip r:embed="rId2"/>
+          <a:stretch>
+            <a:fillRect/>
+          </a:stretch>
+        </p:blipFill>
+        <p:spPr>
+          <a:xfrm>
+            <a:off x="965215" y="3648111"/>
+            <a:ext cx="7311299" cy="473990"/>
+          </a:xfrm>
+          <a:prstGeom prst="rect">
+            <a:avLst/>
+          </a:prstGeom>
+        </p:spPr>
+      </p:pic>
+      <p:pic>
+        <p:nvPicPr>
+          <p:cNvPr id="9" name="Picture 8">
+            <a:extLst>
+              <a:ext uri="{FF2B5EF4-FFF2-40B4-BE49-F238E27FC236}">
+                <a16:creationId xmlns:a16="http://schemas.microsoft.com/office/drawing/2014/main" id="{5EA9D26A-3944-442C-985B-4A018006DC40}"/>
+              </a:ext>
+            </a:extLst>
+          </p:cNvPr>
+          <p:cNvPicPr>
+            <a:picLocks noChangeAspect="1"/>
+          </p:cNvPicPr>
+          <p:nvPr/>
+        </p:nvPicPr>
+        <p:blipFill>
+          <a:blip r:embed="rId3"/>
+          <a:stretch>
+            <a:fillRect/>
+          </a:stretch>
+        </p:blipFill>
+        <p:spPr>
+          <a:xfrm>
+            <a:off x="1633127" y="4396897"/>
+            <a:ext cx="5852640" cy="698405"/>
+          </a:xfrm>
+          <a:prstGeom prst="rect">
+            <a:avLst/>
+          </a:prstGeom>
+        </p:spPr>
+      </p:pic>
+      <p:pic>
+        <p:nvPicPr>
+          <p:cNvPr id="10" name="Picture 9">
+            <a:extLst>
+              <a:ext uri="{FF2B5EF4-FFF2-40B4-BE49-F238E27FC236}">
+                <a16:creationId xmlns:a16="http://schemas.microsoft.com/office/drawing/2014/main" id="{5B14C2B4-B9F4-482D-A417-CEC8A95CFC3D}"/>
+              </a:ext>
+            </a:extLst>
+          </p:cNvPr>
+          <p:cNvPicPr>
+            <a:picLocks noChangeAspect="1"/>
+          </p:cNvPicPr>
+          <p:nvPr/>
+        </p:nvPicPr>
+        <p:blipFill>
+          <a:blip r:embed="rId4"/>
+          <a:stretch>
+            <a:fillRect/>
+          </a:stretch>
+        </p:blipFill>
+        <p:spPr>
+          <a:xfrm>
+            <a:off x="934176" y="5370099"/>
+            <a:ext cx="7373379" cy="695422"/>
+          </a:xfrm>
+          <a:prstGeom prst="rect">
+            <a:avLst/>
+          </a:prstGeom>
+        </p:spPr>
+      </p:pic>
+    </p:spTree>
+    <p:extLst>
+      <p:ext uri="{BB962C8B-B14F-4D97-AF65-F5344CB8AC3E}">
+        <p14:creationId xmlns:p14="http://schemas.microsoft.com/office/powerpoint/2010/main" val="2822714663"/>
+      </p:ext>
+    </p:extLst>
+  </p:cSld>
+  <p:clrMapOvr>
+    <a:masterClrMapping/>
+  </p:clrMapOvr>
+</p:sld>
+</file>
+
+<file path=ppt/slides/slide19.xml><?xml version="1.0" encoding="utf-8"?>
+<p:sld xmlns:a="http://schemas.openxmlformats.org/drawingml/2006/main" xmlns:r="http://schemas.openxmlformats.org/officeDocument/2006/relationships" xmlns:p="http://schemas.openxmlformats.org/presentationml/2006/main">
+  <p:cSld>
+    <p:spTree>
+      <p:nvGrpSpPr>
+        <p:cNvPr id="1" name=""/>
+        <p:cNvGrpSpPr/>
+        <p:nvPr/>
+      </p:nvGrpSpPr>
+      <p:grpSpPr>
+        <a:xfrm>
+          <a:off x="0" y="0"/>
+          <a:ext cx="0" cy="0"/>
+          <a:chOff x="0" y="0"/>
+          <a:chExt cx="0" cy="0"/>
+        </a:xfrm>
+      </p:grpSpPr>
+      <p:sp>
+        <p:nvSpPr>
           <p:cNvPr id="2" name="Title 1"/>
           <p:cNvSpPr>
             <a:spLocks noGrp="1"/>

--- a/Presentation.pptx
+++ b/Presentation.pptx
@@ -18,12 +18,13 @@
     <p:sldId id="264" r:id="rId12"/>
     <p:sldId id="265" r:id="rId13"/>
     <p:sldId id="266" r:id="rId14"/>
-    <p:sldId id="271" r:id="rId15"/>
-    <p:sldId id="272" r:id="rId16"/>
-    <p:sldId id="273" r:id="rId17"/>
-    <p:sldId id="274" r:id="rId18"/>
-    <p:sldId id="275" r:id="rId19"/>
-    <p:sldId id="261" r:id="rId20"/>
+    <p:sldId id="276" r:id="rId15"/>
+    <p:sldId id="271" r:id="rId16"/>
+    <p:sldId id="272" r:id="rId17"/>
+    <p:sldId id="273" r:id="rId18"/>
+    <p:sldId id="274" r:id="rId19"/>
+    <p:sldId id="275" r:id="rId20"/>
+    <p:sldId id="261" r:id="rId21"/>
   </p:sldIdLst>
   <p:sldSz cx="9144000" cy="6858000" type="screen4x3"/>
   <p:notesSz cx="6858000" cy="9144000"/>
@@ -8165,6 +8166,99 @@
           <p:cNvPr id="2" name="Title 1">
             <a:extLst>
               <a:ext uri="{FF2B5EF4-FFF2-40B4-BE49-F238E27FC236}">
+                <a16:creationId xmlns:a16="http://schemas.microsoft.com/office/drawing/2014/main" id="{9E51FD46-EC97-424C-93A6-9EE2BB9DE923}"/>
+              </a:ext>
+            </a:extLst>
+          </p:cNvPr>
+          <p:cNvSpPr>
+            <a:spLocks noGrp="1"/>
+          </p:cNvSpPr>
+          <p:nvPr>
+            <p:ph type="title"/>
+          </p:nvPr>
+        </p:nvSpPr>
+        <p:spPr/>
+        <p:txBody>
+          <a:bodyPr/>
+          <a:lstStyle/>
+          <a:p>
+            <a:r>
+              <a:rPr lang="en-US" dirty="0" err="1"/>
+              <a:t>PlayerLayout</a:t>
+            </a:r>
+            <a:endParaRPr lang="en-US" dirty="0"/>
+          </a:p>
+        </p:txBody>
+      </p:sp>
+      <p:sp>
+        <p:nvSpPr>
+          <p:cNvPr id="3" name="Content Placeholder 2">
+            <a:extLst>
+              <a:ext uri="{FF2B5EF4-FFF2-40B4-BE49-F238E27FC236}">
+                <a16:creationId xmlns:a16="http://schemas.microsoft.com/office/drawing/2014/main" id="{F7AC793B-3FED-4C0B-A728-0CC651304AE0}"/>
+              </a:ext>
+            </a:extLst>
+          </p:cNvPr>
+          <p:cNvSpPr>
+            <a:spLocks noGrp="1"/>
+          </p:cNvSpPr>
+          <p:nvPr>
+            <p:ph idx="1"/>
+          </p:nvPr>
+        </p:nvSpPr>
+        <p:spPr/>
+        <p:txBody>
+          <a:bodyPr/>
+          <a:lstStyle/>
+          <a:p>
+            <a:r>
+              <a:rPr lang="en-US" dirty="0"/>
+              <a:t>This layout displays information regarding the player’s character, what items specific characters are holding, and the character’s stats</a:t>
+            </a:r>
+          </a:p>
+          <a:p>
+            <a:r>
+              <a:rPr lang="en-US" dirty="0"/>
+              <a:t>This screen is useful for getting a wide view on the stats of the character and knowing what they are holding</a:t>
+            </a:r>
+          </a:p>
+        </p:txBody>
+      </p:sp>
+    </p:spTree>
+    <p:extLst>
+      <p:ext uri="{BB962C8B-B14F-4D97-AF65-F5344CB8AC3E}">
+        <p14:creationId xmlns:p14="http://schemas.microsoft.com/office/powerpoint/2010/main" val="2991672191"/>
+      </p:ext>
+    </p:extLst>
+  </p:cSld>
+  <p:clrMapOvr>
+    <a:masterClrMapping/>
+  </p:clrMapOvr>
+</p:sld>
+</file>
+
+<file path=ppt/slides/slide15.xml><?xml version="1.0" encoding="utf-8"?>
+<p:sld xmlns:a="http://schemas.openxmlformats.org/drawingml/2006/main" xmlns:r="http://schemas.openxmlformats.org/officeDocument/2006/relationships" xmlns:p="http://schemas.openxmlformats.org/presentationml/2006/main">
+  <p:cSld>
+    <p:spTree>
+      <p:nvGrpSpPr>
+        <p:cNvPr id="1" name=""/>
+        <p:cNvGrpSpPr/>
+        <p:nvPr/>
+      </p:nvGrpSpPr>
+      <p:grpSpPr>
+        <a:xfrm>
+          <a:off x="0" y="0"/>
+          <a:ext cx="0" cy="0"/>
+          <a:chOff x="0" y="0"/>
+          <a:chExt cx="0" cy="0"/>
+        </a:xfrm>
+      </p:grpSpPr>
+      <p:sp>
+        <p:nvSpPr>
+          <p:cNvPr id="2" name="Title 1">
+            <a:extLst>
+              <a:ext uri="{FF2B5EF4-FFF2-40B4-BE49-F238E27FC236}">
                 <a16:creationId xmlns:a16="http://schemas.microsoft.com/office/drawing/2014/main" id="{6E2EAB31-7AD5-4A44-8D15-FD41F9248BF6}"/>
               </a:ext>
             </a:extLst>
@@ -8235,7 +8329,7 @@
 </p:sld>
 </file>
 
-<file path=ppt/slides/slide15.xml><?xml version="1.0" encoding="utf-8"?>
+<file path=ppt/slides/slide16.xml><?xml version="1.0" encoding="utf-8"?>
 <p:sld xmlns:a="http://schemas.openxmlformats.org/drawingml/2006/main" xmlns:r="http://schemas.openxmlformats.org/officeDocument/2006/relationships" xmlns:p="http://schemas.openxmlformats.org/presentationml/2006/main">
   <p:cSld>
     <p:spTree>
@@ -8370,7 +8464,7 @@
 </p:sld>
 </file>
 
-<file path=ppt/slides/slide16.xml><?xml version="1.0" encoding="utf-8"?>
+<file path=ppt/slides/slide17.xml><?xml version="1.0" encoding="utf-8"?>
 <p:sld xmlns:a="http://schemas.openxmlformats.org/drawingml/2006/main" xmlns:r="http://schemas.openxmlformats.org/officeDocument/2006/relationships" xmlns:p="http://schemas.openxmlformats.org/presentationml/2006/main">
   <p:cSld>
     <p:spTree>
@@ -8539,7 +8633,7 @@
 </p:sld>
 </file>
 
-<file path=ppt/slides/slide17.xml><?xml version="1.0" encoding="utf-8"?>
+<file path=ppt/slides/slide18.xml><?xml version="1.0" encoding="utf-8"?>
 <p:sld xmlns:a="http://schemas.openxmlformats.org/drawingml/2006/main" xmlns:r="http://schemas.openxmlformats.org/officeDocument/2006/relationships" xmlns:p="http://schemas.openxmlformats.org/presentationml/2006/main">
   <p:cSld>
     <p:spTree>
@@ -8689,7 +8783,7 @@
 </p:sld>
 </file>
 
-<file path=ppt/slides/slide18.xml><?xml version="1.0" encoding="utf-8"?>
+<file path=ppt/slides/slide19.xml><?xml version="1.0" encoding="utf-8"?>
 <p:sld xmlns:a="http://schemas.openxmlformats.org/drawingml/2006/main" xmlns:r="http://schemas.openxmlformats.org/officeDocument/2006/relationships" xmlns:p="http://schemas.openxmlformats.org/presentationml/2006/main">
   <p:cSld>
     <p:spTree>
@@ -8869,117 +8963,6 @@
 </p:sld>
 </file>
 
-<file path=ppt/slides/slide19.xml><?xml version="1.0" encoding="utf-8"?>
-<p:sld xmlns:a="http://schemas.openxmlformats.org/drawingml/2006/main" xmlns:r="http://schemas.openxmlformats.org/officeDocument/2006/relationships" xmlns:p="http://schemas.openxmlformats.org/presentationml/2006/main">
-  <p:cSld>
-    <p:spTree>
-      <p:nvGrpSpPr>
-        <p:cNvPr id="1" name=""/>
-        <p:cNvGrpSpPr/>
-        <p:nvPr/>
-      </p:nvGrpSpPr>
-      <p:grpSpPr>
-        <a:xfrm>
-          <a:off x="0" y="0"/>
-          <a:ext cx="0" cy="0"/>
-          <a:chOff x="0" y="0"/>
-          <a:chExt cx="0" cy="0"/>
-        </a:xfrm>
-      </p:grpSpPr>
-      <p:sp>
-        <p:nvSpPr>
-          <p:cNvPr id="2" name="Title 1"/>
-          <p:cNvSpPr>
-            <a:spLocks noGrp="1"/>
-          </p:cNvSpPr>
-          <p:nvPr>
-            <p:ph type="title"/>
-          </p:nvPr>
-        </p:nvSpPr>
-        <p:spPr/>
-        <p:txBody>
-          <a:bodyPr>
-            <a:normAutofit/>
-          </a:bodyPr>
-          <a:lstStyle/>
-          <a:p>
-            <a:r>
-              <a:rPr lang="en-US" dirty="0"/>
-              <a:t>Application Demo</a:t>
-            </a:r>
-            <a:br>
-              <a:rPr lang="en-US" dirty="0"/>
-            </a:br>
-            <a:r>
-              <a:rPr lang="en-US" sz="2000" dirty="0"/>
-              <a:t>There should </a:t>
-            </a:r>
-            <a:r>
-              <a:rPr lang="en-US" sz="2000"/>
-              <a:t>be a Part </a:t>
-            </a:r>
-            <a:r>
-              <a:rPr lang="en-US" sz="2000" dirty="0"/>
-              <a:t>for each person in the group</a:t>
-            </a:r>
-          </a:p>
-        </p:txBody>
-      </p:sp>
-      <p:sp>
-        <p:nvSpPr>
-          <p:cNvPr id="7" name="Content Placeholder 6"/>
-          <p:cNvSpPr>
-            <a:spLocks noGrp="1"/>
-          </p:cNvSpPr>
-          <p:nvPr>
-            <p:ph idx="1"/>
-          </p:nvPr>
-        </p:nvSpPr>
-        <p:spPr/>
-        <p:txBody>
-          <a:bodyPr>
-            <a:normAutofit/>
-          </a:bodyPr>
-          <a:lstStyle/>
-          <a:p>
-            <a:r>
-              <a:rPr lang="en-US" dirty="0"/>
-              <a:t>What aspects of the application this part provides functionality for.</a:t>
-            </a:r>
-          </a:p>
-          <a:p>
-            <a:r>
-              <a:rPr lang="en-US" dirty="0"/>
-              <a:t>For a Table Illustrate: Insert, Update, and Delete functions.</a:t>
-            </a:r>
-          </a:p>
-          <a:p>
-            <a:r>
-              <a:rPr lang="en-US" dirty="0"/>
-              <a:t>For Selection Tool: Illustrate using it on at least two different tables.</a:t>
-            </a:r>
-          </a:p>
-          <a:p>
-            <a:r>
-              <a:rPr lang="en-US" dirty="0"/>
-              <a:t>Lastly, show key blocks of the code (formatting, comments, and names).</a:t>
-            </a:r>
-          </a:p>
-        </p:txBody>
-      </p:sp>
-    </p:spTree>
-    <p:extLst>
-      <p:ext uri="{BB962C8B-B14F-4D97-AF65-F5344CB8AC3E}">
-        <p14:creationId xmlns:p14="http://schemas.microsoft.com/office/powerpoint/2010/main" val="750565662"/>
-      </p:ext>
-    </p:extLst>
-  </p:cSld>
-  <p:clrMapOvr>
-    <a:masterClrMapping/>
-  </p:clrMapOvr>
-</p:sld>
-</file>
-
 <file path=ppt/slides/slide2.xml><?xml version="1.0" encoding="utf-8"?>
 <p:sld xmlns:a="http://schemas.openxmlformats.org/drawingml/2006/main" xmlns:r="http://schemas.openxmlformats.org/officeDocument/2006/relationships" xmlns:p="http://schemas.openxmlformats.org/presentationml/2006/main">
   <p:cSld>
@@ -9090,6 +9073,117 @@
     <p:extLst>
       <p:ext uri="{BB962C8B-B14F-4D97-AF65-F5344CB8AC3E}">
         <p14:creationId xmlns:p14="http://schemas.microsoft.com/office/powerpoint/2010/main" val="2961740873"/>
+      </p:ext>
+    </p:extLst>
+  </p:cSld>
+  <p:clrMapOvr>
+    <a:masterClrMapping/>
+  </p:clrMapOvr>
+</p:sld>
+</file>
+
+<file path=ppt/slides/slide20.xml><?xml version="1.0" encoding="utf-8"?>
+<p:sld xmlns:a="http://schemas.openxmlformats.org/drawingml/2006/main" xmlns:r="http://schemas.openxmlformats.org/officeDocument/2006/relationships" xmlns:p="http://schemas.openxmlformats.org/presentationml/2006/main">
+  <p:cSld>
+    <p:spTree>
+      <p:nvGrpSpPr>
+        <p:cNvPr id="1" name=""/>
+        <p:cNvGrpSpPr/>
+        <p:nvPr/>
+      </p:nvGrpSpPr>
+      <p:grpSpPr>
+        <a:xfrm>
+          <a:off x="0" y="0"/>
+          <a:ext cx="0" cy="0"/>
+          <a:chOff x="0" y="0"/>
+          <a:chExt cx="0" cy="0"/>
+        </a:xfrm>
+      </p:grpSpPr>
+      <p:sp>
+        <p:nvSpPr>
+          <p:cNvPr id="2" name="Title 1"/>
+          <p:cNvSpPr>
+            <a:spLocks noGrp="1"/>
+          </p:cNvSpPr>
+          <p:nvPr>
+            <p:ph type="title"/>
+          </p:nvPr>
+        </p:nvSpPr>
+        <p:spPr/>
+        <p:txBody>
+          <a:bodyPr>
+            <a:normAutofit/>
+          </a:bodyPr>
+          <a:lstStyle/>
+          <a:p>
+            <a:r>
+              <a:rPr lang="en-US" dirty="0"/>
+              <a:t>Application Demo</a:t>
+            </a:r>
+            <a:br>
+              <a:rPr lang="en-US" dirty="0"/>
+            </a:br>
+            <a:r>
+              <a:rPr lang="en-US" sz="2000" dirty="0"/>
+              <a:t>There should </a:t>
+            </a:r>
+            <a:r>
+              <a:rPr lang="en-US" sz="2000"/>
+              <a:t>be a Part </a:t>
+            </a:r>
+            <a:r>
+              <a:rPr lang="en-US" sz="2000" dirty="0"/>
+              <a:t>for each person in the group</a:t>
+            </a:r>
+          </a:p>
+        </p:txBody>
+      </p:sp>
+      <p:sp>
+        <p:nvSpPr>
+          <p:cNvPr id="7" name="Content Placeholder 6"/>
+          <p:cNvSpPr>
+            <a:spLocks noGrp="1"/>
+          </p:cNvSpPr>
+          <p:nvPr>
+            <p:ph idx="1"/>
+          </p:nvPr>
+        </p:nvSpPr>
+        <p:spPr/>
+        <p:txBody>
+          <a:bodyPr>
+            <a:normAutofit/>
+          </a:bodyPr>
+          <a:lstStyle/>
+          <a:p>
+            <a:r>
+              <a:rPr lang="en-US" dirty="0"/>
+              <a:t>What aspects of the application this part provides functionality for.</a:t>
+            </a:r>
+          </a:p>
+          <a:p>
+            <a:r>
+              <a:rPr lang="en-US" dirty="0"/>
+              <a:t>For a Table Illustrate: Insert, Update, and Delete functions.</a:t>
+            </a:r>
+          </a:p>
+          <a:p>
+            <a:r>
+              <a:rPr lang="en-US" dirty="0"/>
+              <a:t>For Selection Tool: Illustrate using it on at least two different tables.</a:t>
+            </a:r>
+          </a:p>
+          <a:p>
+            <a:r>
+              <a:rPr lang="en-US" dirty="0"/>
+              <a:t>Lastly, show key blocks of the code (formatting, comments, and names).</a:t>
+            </a:r>
+          </a:p>
+        </p:txBody>
+      </p:sp>
+    </p:spTree>
+    <p:extLst>
+      <p:ext uri="{BB962C8B-B14F-4D97-AF65-F5344CB8AC3E}">
+        <p14:creationId xmlns:p14="http://schemas.microsoft.com/office/powerpoint/2010/main" val="750565662"/>
       </p:ext>
     </p:extLst>
   </p:cSld>
